--- a/Presentation1MyTravel.pptx
+++ b/Presentation1MyTravel.pptx
@@ -5,16 +5,21 @@
     <p:sldMasterId id="2147483648" r:id="rId1"/>
   </p:sldMasterIdLst>
   <p:notesMasterIdLst>
-    <p:notesMasterId r:id="rId9"/>
+    <p:notesMasterId r:id="rId14"/>
   </p:notesMasterIdLst>
   <p:sldIdLst>
     <p:sldId id="256" r:id="rId2"/>
     <p:sldId id="257" r:id="rId3"/>
     <p:sldId id="259" r:id="rId4"/>
     <p:sldId id="258" r:id="rId5"/>
-    <p:sldId id="262" r:id="rId6"/>
-    <p:sldId id="260" r:id="rId7"/>
-    <p:sldId id="261" r:id="rId8"/>
+    <p:sldId id="263" r:id="rId6"/>
+    <p:sldId id="264" r:id="rId7"/>
+    <p:sldId id="265" r:id="rId8"/>
+    <p:sldId id="266" r:id="rId9"/>
+    <p:sldId id="267" r:id="rId10"/>
+    <p:sldId id="262" r:id="rId11"/>
+    <p:sldId id="260" r:id="rId12"/>
+    <p:sldId id="261" r:id="rId13"/>
   </p:sldIdLst>
   <p:sldSz cx="9144000" cy="6858000" type="screen4x3"/>
   <p:notesSz cx="6858000" cy="9144000"/>
@@ -580,6 +585,98 @@
     <p:extLst>
       <p:ext uri="{BB962C8B-B14F-4D97-AF65-F5344CB8AC3E}">
         <p14:creationId xmlns:p14="http://schemas.microsoft.com/office/powerpoint/2010/main" val="3079349729"/>
+      </p:ext>
+    </p:extLst>
+  </p:cSld>
+  <p:clrMapOvr>
+    <a:masterClrMapping/>
+  </p:clrMapOvr>
+</p:notes>
+</file>
+
+<file path=ppt/notesSlides/notesSlide2.xml><?xml version="1.0" encoding="utf-8"?>
+<p:notes xmlns:a="http://schemas.openxmlformats.org/drawingml/2006/main" xmlns:r="http://schemas.openxmlformats.org/officeDocument/2006/relationships" xmlns:p="http://schemas.openxmlformats.org/presentationml/2006/main">
+  <p:cSld>
+    <p:spTree>
+      <p:nvGrpSpPr>
+        <p:cNvPr id="1" name=""/>
+        <p:cNvGrpSpPr/>
+        <p:nvPr/>
+      </p:nvGrpSpPr>
+      <p:grpSpPr>
+        <a:xfrm>
+          <a:off x="0" y="0"/>
+          <a:ext cx="0" cy="0"/>
+          <a:chOff x="0" y="0"/>
+          <a:chExt cx="0" cy="0"/>
+        </a:xfrm>
+      </p:grpSpPr>
+      <p:sp>
+        <p:nvSpPr>
+          <p:cNvPr id="2" name="Slide Image Placeholder 1"/>
+          <p:cNvSpPr>
+            <a:spLocks noGrp="1" noRot="1" noChangeAspect="1"/>
+          </p:cNvSpPr>
+          <p:nvPr>
+            <p:ph type="sldImg"/>
+          </p:nvPr>
+        </p:nvSpPr>
+        <p:spPr/>
+      </p:sp>
+      <p:sp>
+        <p:nvSpPr>
+          <p:cNvPr id="3" name="Notes Placeholder 2"/>
+          <p:cNvSpPr>
+            <a:spLocks noGrp="1"/>
+          </p:cNvSpPr>
+          <p:nvPr>
+            <p:ph type="body" idx="1"/>
+          </p:nvPr>
+        </p:nvSpPr>
+        <p:spPr/>
+        <p:txBody>
+          <a:bodyPr/>
+          <a:lstStyle/>
+          <a:p>
+            <a:r>
+              <a:rPr lang="en-US" dirty="0" smtClean="0"/>
+              <a:t>Also used </a:t>
+            </a:r>
+            <a:r>
+              <a:rPr lang="en-US" dirty="0" err="1" smtClean="0"/>
+              <a:t>navbar</a:t>
+            </a:r>
+            <a:endParaRPr lang="en-US" dirty="0"/>
+          </a:p>
+        </p:txBody>
+      </p:sp>
+      <p:sp>
+        <p:nvSpPr>
+          <p:cNvPr id="4" name="Slide Number Placeholder 3"/>
+          <p:cNvSpPr>
+            <a:spLocks noGrp="1"/>
+          </p:cNvSpPr>
+          <p:nvPr>
+            <p:ph type="sldNum" sz="quarter" idx="10"/>
+          </p:nvPr>
+        </p:nvSpPr>
+        <p:spPr/>
+        <p:txBody>
+          <a:bodyPr/>
+          <a:lstStyle/>
+          <a:p>
+            <a:fld id="{14716D8A-0055-FE45-9B39-4E045E4D619B}" type="slidenum">
+              <a:rPr lang="en-US" smtClean="0"/>
+              <a:t>5</a:t>
+            </a:fld>
+            <a:endParaRPr lang="en-US"/>
+          </a:p>
+        </p:txBody>
+      </p:sp>
+    </p:spTree>
+    <p:extLst>
+      <p:ext uri="{BB962C8B-B14F-4D97-AF65-F5344CB8AC3E}">
+        <p14:creationId xmlns:p14="http://schemas.microsoft.com/office/powerpoint/2010/main" val="1118874094"/>
       </p:ext>
     </p:extLst>
   </p:cSld>
@@ -3673,6 +3770,343 @@
 </p:sld>
 </file>
 
+<file path=ppt/slides/slide10.xml><?xml version="1.0" encoding="utf-8"?>
+<p:sld xmlns:a="http://schemas.openxmlformats.org/drawingml/2006/main" xmlns:r="http://schemas.openxmlformats.org/officeDocument/2006/relationships" xmlns:p="http://schemas.openxmlformats.org/presentationml/2006/main">
+  <p:cSld>
+    <p:bg>
+      <p:bgPr>
+        <a:blipFill rotWithShape="1">
+          <a:blip r:embed="rId2"/>
+          <a:tile tx="0" ty="0" sx="100000" sy="100000" flip="none" algn="tl"/>
+        </a:blipFill>
+        <a:effectLst/>
+      </p:bgPr>
+    </p:bg>
+    <p:spTree>
+      <p:nvGrpSpPr>
+        <p:cNvPr id="1" name=""/>
+        <p:cNvGrpSpPr/>
+        <p:nvPr/>
+      </p:nvGrpSpPr>
+      <p:grpSpPr>
+        <a:xfrm>
+          <a:off x="0" y="0"/>
+          <a:ext cx="0" cy="0"/>
+          <a:chOff x="0" y="0"/>
+          <a:chExt cx="0" cy="0"/>
+        </a:xfrm>
+      </p:grpSpPr>
+      <p:sp>
+        <p:nvSpPr>
+          <p:cNvPr id="2" name="Title 1"/>
+          <p:cNvSpPr>
+            <a:spLocks noGrp="1"/>
+          </p:cNvSpPr>
+          <p:nvPr>
+            <p:ph type="title"/>
+          </p:nvPr>
+        </p:nvSpPr>
+        <p:spPr/>
+        <p:txBody>
+          <a:bodyPr/>
+          <a:lstStyle/>
+          <a:p>
+            <a:r>
+              <a:rPr lang="en-US" dirty="0" smtClean="0"/>
+              <a:t> Design Problems</a:t>
+            </a:r>
+            <a:endParaRPr lang="en-US" dirty="0"/>
+          </a:p>
+        </p:txBody>
+      </p:sp>
+      <p:sp>
+        <p:nvSpPr>
+          <p:cNvPr id="3" name="Content Placeholder 2"/>
+          <p:cNvSpPr>
+            <a:spLocks noGrp="1"/>
+          </p:cNvSpPr>
+          <p:nvPr>
+            <p:ph idx="1"/>
+          </p:nvPr>
+        </p:nvSpPr>
+        <p:spPr/>
+        <p:txBody>
+          <a:bodyPr/>
+          <a:lstStyle/>
+          <a:p>
+            <a:endParaRPr lang="en-US" dirty="0"/>
+          </a:p>
+        </p:txBody>
+      </p:sp>
+    </p:spTree>
+    <p:extLst>
+      <p:ext uri="{BB962C8B-B14F-4D97-AF65-F5344CB8AC3E}">
+        <p14:creationId xmlns:p14="http://schemas.microsoft.com/office/powerpoint/2010/main" val="1703106554"/>
+      </p:ext>
+    </p:extLst>
+  </p:cSld>
+  <p:clrMapOvr>
+    <a:masterClrMapping/>
+  </p:clrMapOvr>
+  <p:timing>
+    <p:tnLst>
+      <p:par>
+        <p:cTn xmlns:p14="http://schemas.microsoft.com/office/powerpoint/2010/main" id="1" dur="indefinite" restart="never" nodeType="tmRoot"/>
+      </p:par>
+    </p:tnLst>
+  </p:timing>
+</p:sld>
+</file>
+
+<file path=ppt/slides/slide11.xml><?xml version="1.0" encoding="utf-8"?>
+<p:sld xmlns:a="http://schemas.openxmlformats.org/drawingml/2006/main" xmlns:r="http://schemas.openxmlformats.org/officeDocument/2006/relationships" xmlns:p="http://schemas.openxmlformats.org/presentationml/2006/main">
+  <p:cSld>
+    <p:bg>
+      <p:bgPr>
+        <a:blipFill rotWithShape="1">
+          <a:blip r:embed="rId2"/>
+          <a:tile tx="0" ty="0" sx="100000" sy="100000" flip="none" algn="tl"/>
+        </a:blipFill>
+        <a:effectLst/>
+      </p:bgPr>
+    </p:bg>
+    <p:spTree>
+      <p:nvGrpSpPr>
+        <p:cNvPr id="1" name=""/>
+        <p:cNvGrpSpPr/>
+        <p:nvPr/>
+      </p:nvGrpSpPr>
+      <p:grpSpPr>
+        <a:xfrm>
+          <a:off x="0" y="0"/>
+          <a:ext cx="0" cy="0"/>
+          <a:chOff x="0" y="0"/>
+          <a:chExt cx="0" cy="0"/>
+        </a:xfrm>
+      </p:grpSpPr>
+      <p:sp>
+        <p:nvSpPr>
+          <p:cNvPr id="2" name="Title 1"/>
+          <p:cNvSpPr>
+            <a:spLocks noGrp="1"/>
+          </p:cNvSpPr>
+          <p:nvPr>
+            <p:ph type="title"/>
+          </p:nvPr>
+        </p:nvSpPr>
+        <p:spPr/>
+        <p:txBody>
+          <a:bodyPr/>
+          <a:lstStyle/>
+          <a:p>
+            <a:r>
+              <a:rPr lang="en-US" dirty="0" smtClean="0"/>
+              <a:t>Demonstration</a:t>
+            </a:r>
+            <a:endParaRPr lang="en-US" dirty="0"/>
+          </a:p>
+        </p:txBody>
+      </p:sp>
+      <p:sp>
+        <p:nvSpPr>
+          <p:cNvPr id="3" name="Content Placeholder 2"/>
+          <p:cNvSpPr>
+            <a:spLocks noGrp="1"/>
+          </p:cNvSpPr>
+          <p:nvPr>
+            <p:ph idx="1"/>
+          </p:nvPr>
+        </p:nvSpPr>
+        <p:spPr/>
+        <p:txBody>
+          <a:bodyPr/>
+          <a:lstStyle/>
+          <a:p>
+            <a:r>
+              <a:rPr lang="en-US" dirty="0" smtClean="0">
+                <a:hlinkClick r:id="rId3"/>
+              </a:rPr>
+              <a:t>https://taddes.github.io/Project-1-Travel-App/</a:t>
+            </a:r>
+            <a:endParaRPr lang="en-US" dirty="0" smtClean="0"/>
+          </a:p>
+          <a:p>
+            <a:endParaRPr lang="en-US" dirty="0"/>
+          </a:p>
+          <a:p>
+            <a:r>
+              <a:rPr lang="en-US" dirty="0" smtClean="0"/>
+              <a:t>https://</a:t>
+            </a:r>
+            <a:r>
+              <a:rPr lang="en-US" dirty="0" err="1" smtClean="0"/>
+              <a:t>github.com</a:t>
+            </a:r>
+            <a:r>
+              <a:rPr lang="en-US" dirty="0" smtClean="0"/>
+              <a:t>/</a:t>
+            </a:r>
+            <a:r>
+              <a:rPr lang="en-US" dirty="0" err="1" smtClean="0"/>
+              <a:t>taddes</a:t>
+            </a:r>
+            <a:r>
+              <a:rPr lang="en-US" dirty="0" smtClean="0"/>
+              <a:t>/Project-1-Travel-App</a:t>
+            </a:r>
+            <a:endParaRPr lang="en-US" dirty="0"/>
+          </a:p>
+        </p:txBody>
+      </p:sp>
+    </p:spTree>
+    <p:extLst>
+      <p:ext uri="{BB962C8B-B14F-4D97-AF65-F5344CB8AC3E}">
+        <p14:creationId xmlns:p14="http://schemas.microsoft.com/office/powerpoint/2010/main" val="4004606440"/>
+      </p:ext>
+    </p:extLst>
+  </p:cSld>
+  <p:clrMapOvr>
+    <a:masterClrMapping/>
+  </p:clrMapOvr>
+  <p:timing>
+    <p:tnLst>
+      <p:par>
+        <p:cTn xmlns:p14="http://schemas.microsoft.com/office/powerpoint/2010/main" id="1" dur="indefinite" restart="never" nodeType="tmRoot"/>
+      </p:par>
+    </p:tnLst>
+  </p:timing>
+</p:sld>
+</file>
+
+<file path=ppt/slides/slide12.xml><?xml version="1.0" encoding="utf-8"?>
+<p:sld xmlns:a="http://schemas.openxmlformats.org/drawingml/2006/main" xmlns:r="http://schemas.openxmlformats.org/officeDocument/2006/relationships" xmlns:p="http://schemas.openxmlformats.org/presentationml/2006/main">
+  <p:cSld>
+    <p:bg>
+      <p:bgPr>
+        <a:blipFill rotWithShape="1">
+          <a:blip r:embed="rId2"/>
+          <a:tile tx="0" ty="0" sx="100000" sy="100000" flip="none" algn="tl"/>
+        </a:blipFill>
+        <a:effectLst/>
+      </p:bgPr>
+    </p:bg>
+    <p:spTree>
+      <p:nvGrpSpPr>
+        <p:cNvPr id="1" name=""/>
+        <p:cNvGrpSpPr/>
+        <p:nvPr/>
+      </p:nvGrpSpPr>
+      <p:grpSpPr>
+        <a:xfrm>
+          <a:off x="0" y="0"/>
+          <a:ext cx="0" cy="0"/>
+          <a:chOff x="0" y="0"/>
+          <a:chExt cx="0" cy="0"/>
+        </a:xfrm>
+      </p:grpSpPr>
+      <p:sp>
+        <p:nvSpPr>
+          <p:cNvPr id="2" name="Title 1"/>
+          <p:cNvSpPr>
+            <a:spLocks noGrp="1"/>
+          </p:cNvSpPr>
+          <p:nvPr>
+            <p:ph type="title"/>
+          </p:nvPr>
+        </p:nvSpPr>
+        <p:spPr/>
+        <p:txBody>
+          <a:bodyPr/>
+          <a:lstStyle/>
+          <a:p>
+            <a:r>
+              <a:rPr lang="en-US" dirty="0" smtClean="0"/>
+              <a:t>Future Development</a:t>
+            </a:r>
+            <a:endParaRPr lang="en-US" dirty="0"/>
+          </a:p>
+        </p:txBody>
+      </p:sp>
+      <p:sp>
+        <p:nvSpPr>
+          <p:cNvPr id="3" name="Content Placeholder 2"/>
+          <p:cNvSpPr>
+            <a:spLocks noGrp="1"/>
+          </p:cNvSpPr>
+          <p:nvPr>
+            <p:ph idx="1"/>
+          </p:nvPr>
+        </p:nvSpPr>
+        <p:spPr/>
+        <p:txBody>
+          <a:bodyPr/>
+          <a:lstStyle/>
+          <a:p>
+            <a:r>
+              <a:rPr lang="en-US" dirty="0" smtClean="0"/>
+              <a:t>More APIs </a:t>
+            </a:r>
+            <a:endParaRPr lang="en-US" dirty="0" smtClean="0"/>
+          </a:p>
+          <a:p>
+            <a:r>
+              <a:rPr lang="en-US" dirty="0" smtClean="0"/>
+              <a:t>Inform user with lodging options</a:t>
+            </a:r>
+            <a:endParaRPr lang="en-US" dirty="0" smtClean="0"/>
+          </a:p>
+          <a:p>
+            <a:r>
+              <a:rPr lang="en-US" dirty="0" smtClean="0"/>
+              <a:t>Inform the user with flight costs</a:t>
+            </a:r>
+          </a:p>
+          <a:p>
+            <a:r>
+              <a:rPr lang="en-US" dirty="0" smtClean="0"/>
+              <a:t>Creating </a:t>
+            </a:r>
+            <a:r>
+              <a:rPr lang="en-US" dirty="0" smtClean="0"/>
+              <a:t>a map that</a:t>
+            </a:r>
+            <a:r>
+              <a:rPr lang="mr-IN" dirty="0" smtClean="0"/>
+              <a:t>’</a:t>
+            </a:r>
+            <a:r>
+              <a:rPr lang="en-US" dirty="0" smtClean="0"/>
+              <a:t>s even more interactive.</a:t>
+            </a:r>
+          </a:p>
+          <a:p>
+            <a:endParaRPr lang="en-US" dirty="0" smtClean="0"/>
+          </a:p>
+          <a:p>
+            <a:endParaRPr lang="en-US" dirty="0"/>
+          </a:p>
+        </p:txBody>
+      </p:sp>
+    </p:spTree>
+    <p:extLst>
+      <p:ext uri="{BB962C8B-B14F-4D97-AF65-F5344CB8AC3E}">
+        <p14:creationId xmlns:p14="http://schemas.microsoft.com/office/powerpoint/2010/main" val="2431316856"/>
+      </p:ext>
+    </p:extLst>
+  </p:cSld>
+  <p:clrMapOvr>
+    <a:masterClrMapping/>
+  </p:clrMapOvr>
+  <p:timing>
+    <p:tnLst>
+      <p:par>
+        <p:cTn xmlns:p14="http://schemas.microsoft.com/office/powerpoint/2010/main" id="1" dur="indefinite" restart="never" nodeType="tmRoot"/>
+      </p:par>
+    </p:tnLst>
+  </p:timing>
+</p:sld>
+</file>
+
 <file path=ppt/slides/slide2.xml><?xml version="1.0" encoding="utf-8"?>
 <p:sld xmlns:a="http://schemas.openxmlformats.org/drawingml/2006/main" xmlns:r="http://schemas.openxmlformats.org/officeDocument/2006/relationships" xmlns:p="http://schemas.openxmlformats.org/presentationml/2006/main">
   <p:cSld>
@@ -3769,6 +4203,13 @@
   <p:clrMapOvr>
     <a:masterClrMapping/>
   </p:clrMapOvr>
+  <p:timing>
+    <p:tnLst>
+      <p:par>
+        <p:cTn xmlns:p14="http://schemas.microsoft.com/office/powerpoint/2010/main" id="1" dur="indefinite" restart="never" nodeType="tmRoot"/>
+      </p:par>
+    </p:tnLst>
+  </p:timing>
 </p:sld>
 </file>
 
@@ -3900,6 +4341,13 @@
   <p:clrMapOvr>
     <a:masterClrMapping/>
   </p:clrMapOvr>
+  <p:timing>
+    <p:tnLst>
+      <p:par>
+        <p:cTn xmlns:p14="http://schemas.microsoft.com/office/powerpoint/2010/main" id="1" dur="indefinite" restart="never" nodeType="tmRoot"/>
+      </p:par>
+    </p:tnLst>
+  </p:timing>
 </p:sld>
 </file>
 
@@ -3965,7 +4413,7 @@
         <p:spPr/>
         <p:txBody>
           <a:bodyPr>
-            <a:normAutofit fontScale="92500" lnSpcReduction="10000"/>
+            <a:normAutofit/>
           </a:bodyPr>
           <a:lstStyle/>
           <a:p>
@@ -3975,46 +4423,66 @@
             </a:r>
           </a:p>
           <a:p>
-            <a:r>
-              <a:rPr lang="en-US" dirty="0" smtClean="0"/>
-              <a:t>Create HTML template for page using Bootstrap</a:t>
-            </a:r>
-          </a:p>
-          <a:p>
-            <a:r>
-              <a:rPr lang="en-US" dirty="0" smtClean="0"/>
-              <a:t>Create AJAX calls for each API</a:t>
-            </a:r>
-          </a:p>
-          <a:p>
-            <a:r>
-              <a:rPr lang="en-US" dirty="0" smtClean="0"/>
-              <a:t>Test APIs and determine what parameters to grab </a:t>
-            </a:r>
-          </a:p>
-          <a:p>
-            <a:r>
-              <a:rPr lang="en-US" dirty="0" smtClean="0"/>
-              <a:t>Create and link Firebase Database</a:t>
-            </a:r>
-          </a:p>
-          <a:p>
-            <a:r>
-              <a:rPr lang="en-US" dirty="0" smtClean="0"/>
-              <a:t>Use jQuery to display API and Firebase information to HTML</a:t>
-            </a:r>
-          </a:p>
-          <a:p>
-            <a:r>
-              <a:rPr lang="en-US" dirty="0" smtClean="0"/>
-              <a:t>Add Styles using CSS to polish</a:t>
-            </a:r>
-          </a:p>
-          <a:p>
             <a:endParaRPr lang="en-US" dirty="0"/>
           </a:p>
         </p:txBody>
       </p:sp>
+      <p:sp>
+        <p:nvSpPr>
+          <p:cNvPr id="4" name="TextBox 3"/>
+          <p:cNvSpPr txBox="1"/>
+          <p:nvPr/>
+        </p:nvSpPr>
+        <p:spPr>
+          <a:xfrm>
+            <a:off x="2982592" y="3296121"/>
+            <a:ext cx="184666" cy="369332"/>
+          </a:xfrm>
+          <a:prstGeom prst="rect">
+            <a:avLst/>
+          </a:prstGeom>
+          <a:noFill/>
+        </p:spPr>
+        <p:txBody>
+          <a:bodyPr wrap="none" rtlCol="0">
+            <a:spAutoFit/>
+          </a:bodyPr>
+          <a:lstStyle/>
+          <a:p>
+            <a:endParaRPr lang="en-US" dirty="0"/>
+          </a:p>
+        </p:txBody>
+      </p:sp>
+      <p:pic>
+        <p:nvPicPr>
+          <p:cNvPr id="5" name="Picture 4" descr="Screen Shot 2018-03-15 at 8.57.03 PM.png"/>
+          <p:cNvPicPr>
+            <a:picLocks noChangeAspect="1"/>
+          </p:cNvPicPr>
+          <p:nvPr/>
+        </p:nvPicPr>
+        <p:blipFill>
+          <a:blip r:embed="rId3">
+            <a:extLst>
+              <a:ext uri="{28A0092B-C50C-407E-A947-70E740481C1C}">
+                <a14:useLocalDpi xmlns:a14="http://schemas.microsoft.com/office/drawing/2010/main" val="0"/>
+              </a:ext>
+            </a:extLst>
+          </a:blip>
+          <a:stretch>
+            <a:fillRect/>
+          </a:stretch>
+        </p:blipFill>
+        <p:spPr>
+          <a:xfrm>
+            <a:off x="969556" y="2225952"/>
+            <a:ext cx="7450202" cy="4313652"/>
+          </a:xfrm>
+          <a:prstGeom prst="rect">
+            <a:avLst/>
+          </a:prstGeom>
+        </p:spPr>
+      </p:pic>
     </p:spTree>
     <p:extLst>
       <p:ext uri="{BB962C8B-B14F-4D97-AF65-F5344CB8AC3E}">
@@ -4025,6 +4493,13 @@
   <p:clrMapOvr>
     <a:masterClrMapping/>
   </p:clrMapOvr>
+  <p:timing>
+    <p:tnLst>
+      <p:par>
+        <p:cTn xmlns:p14="http://schemas.microsoft.com/office/powerpoint/2010/main" id="1" dur="indefinite" restart="never" nodeType="tmRoot"/>
+      </p:par>
+    </p:tnLst>
+  </p:timing>
 </p:sld>
 </file>
 
@@ -4034,7 +4509,7 @@
     <p:bg>
       <p:bgPr>
         <a:blipFill rotWithShape="1">
-          <a:blip r:embed="rId2"/>
+          <a:blip r:embed="rId3"/>
           <a:tile tx="0" ty="0" sx="100000" sy="100000" flip="none" algn="tl"/>
         </a:blipFill>
         <a:effectLst/>
@@ -4071,7 +4546,7 @@
           <a:p>
             <a:r>
               <a:rPr lang="en-US" dirty="0" smtClean="0"/>
-              <a:t> Design Problems</a:t>
+              <a:t>Design Process</a:t>
             </a:r>
             <a:endParaRPr lang="en-US" dirty="0"/>
           </a:p>
@@ -4089,17 +4564,85 @@
         </p:nvSpPr>
         <p:spPr/>
         <p:txBody>
-          <a:bodyPr/>
-          <a:lstStyle/>
+          <a:bodyPr>
+            <a:normAutofit/>
+          </a:bodyPr>
+          <a:lstStyle/>
+          <a:p>
+            <a:r>
+              <a:rPr lang="en-US" dirty="0"/>
+              <a:t>Create HTML template for page using Bootstrap</a:t>
+            </a:r>
+          </a:p>
           <a:p>
             <a:endParaRPr lang="en-US" dirty="0"/>
           </a:p>
         </p:txBody>
       </p:sp>
+      <p:pic>
+        <p:nvPicPr>
+          <p:cNvPr id="5" name="Picture 4" descr="Screen Shot 2018-03-15 at 9.11.35 PM.png"/>
+          <p:cNvPicPr>
+            <a:picLocks noChangeAspect="1"/>
+          </p:cNvPicPr>
+          <p:nvPr/>
+        </p:nvPicPr>
+        <p:blipFill>
+          <a:blip r:embed="rId4">
+            <a:extLst>
+              <a:ext uri="{28A0092B-C50C-407E-A947-70E740481C1C}">
+                <a14:useLocalDpi xmlns:a14="http://schemas.microsoft.com/office/drawing/2010/main" val="0"/>
+              </a:ext>
+            </a:extLst>
+          </a:blip>
+          <a:stretch>
+            <a:fillRect/>
+          </a:stretch>
+        </p:blipFill>
+        <p:spPr>
+          <a:xfrm>
+            <a:off x="5023310" y="2664658"/>
+            <a:ext cx="3767487" cy="3575657"/>
+          </a:xfrm>
+          <a:prstGeom prst="rect">
+            <a:avLst/>
+          </a:prstGeom>
+        </p:spPr>
+      </p:pic>
+      <p:pic>
+        <p:nvPicPr>
+          <p:cNvPr id="6" name="Picture 5" descr="Screen Shot 2018-03-15 at 9.16.14 PM.png"/>
+          <p:cNvPicPr>
+            <a:picLocks noChangeAspect="1"/>
+          </p:cNvPicPr>
+          <p:nvPr/>
+        </p:nvPicPr>
+        <p:blipFill>
+          <a:blip r:embed="rId5">
+            <a:extLst>
+              <a:ext uri="{28A0092B-C50C-407E-A947-70E740481C1C}">
+                <a14:useLocalDpi xmlns:a14="http://schemas.microsoft.com/office/drawing/2010/main" val="0"/>
+              </a:ext>
+            </a:extLst>
+          </a:blip>
+          <a:stretch>
+            <a:fillRect/>
+          </a:stretch>
+        </p:blipFill>
+        <p:spPr>
+          <a:xfrm>
+            <a:off x="143243" y="2664658"/>
+            <a:ext cx="4566111" cy="3575657"/>
+          </a:xfrm>
+          <a:prstGeom prst="rect">
+            <a:avLst/>
+          </a:prstGeom>
+        </p:spPr>
+      </p:pic>
     </p:spTree>
     <p:extLst>
       <p:ext uri="{BB962C8B-B14F-4D97-AF65-F5344CB8AC3E}">
-        <p14:creationId xmlns:p14="http://schemas.microsoft.com/office/powerpoint/2010/main" val="1703106554"/>
+        <p14:creationId xmlns:p14="http://schemas.microsoft.com/office/powerpoint/2010/main" val="4265928601"/>
       </p:ext>
     </p:extLst>
   </p:cSld>
@@ -4159,7 +4702,7 @@
           <a:p>
             <a:r>
               <a:rPr lang="en-US" dirty="0" smtClean="0"/>
-              <a:t>Demonstration</a:t>
+              <a:t>Design Process</a:t>
             </a:r>
             <a:endParaRPr lang="en-US" dirty="0"/>
           </a:p>
@@ -4181,45 +4724,55 @@
           <a:lstStyle/>
           <a:p>
             <a:r>
-              <a:rPr lang="en-US" dirty="0" smtClean="0">
-                <a:hlinkClick r:id="rId3"/>
-              </a:rPr>
-              <a:t>https://taddes.github.io/Project-1-Travel-App/</a:t>
-            </a:r>
-            <a:endParaRPr lang="en-US" dirty="0" smtClean="0"/>
+              <a:rPr lang="en-US" dirty="0"/>
+              <a:t>Create AJAX calls for each API</a:t>
+            </a:r>
+          </a:p>
+          <a:p>
+            <a:r>
+              <a:rPr lang="en-US" dirty="0"/>
+              <a:t>Test APIs and determine what parameters to grab </a:t>
+            </a:r>
           </a:p>
           <a:p>
             <a:endParaRPr lang="en-US" dirty="0"/>
           </a:p>
-          <a:p>
-            <a:r>
-              <a:rPr lang="en-US" dirty="0" smtClean="0"/>
-              <a:t>https://</a:t>
-            </a:r>
-            <a:r>
-              <a:rPr lang="en-US" dirty="0" err="1" smtClean="0"/>
-              <a:t>github.com</a:t>
-            </a:r>
-            <a:r>
-              <a:rPr lang="en-US" dirty="0" smtClean="0"/>
-              <a:t>/</a:t>
-            </a:r>
-            <a:r>
-              <a:rPr lang="en-US" dirty="0" err="1" smtClean="0"/>
-              <a:t>taddes</a:t>
-            </a:r>
-            <a:r>
-              <a:rPr lang="en-US" dirty="0" smtClean="0"/>
-              <a:t>/Project-1-Travel-App</a:t>
-            </a:r>
-            <a:endParaRPr lang="en-US" dirty="0"/>
-          </a:p>
-        </p:txBody>
-      </p:sp>
+        </p:txBody>
+      </p:sp>
+      <p:pic>
+        <p:nvPicPr>
+          <p:cNvPr id="5" name="Picture 4" descr="Screen Shot 2018-03-15 at 9.27.00 PM.png"/>
+          <p:cNvPicPr>
+            <a:picLocks noChangeAspect="1"/>
+          </p:cNvPicPr>
+          <p:nvPr/>
+        </p:nvPicPr>
+        <p:blipFill>
+          <a:blip r:embed="rId3">
+            <a:extLst>
+              <a:ext uri="{28A0092B-C50C-407E-A947-70E740481C1C}">
+                <a14:useLocalDpi xmlns:a14="http://schemas.microsoft.com/office/drawing/2010/main" val="0"/>
+              </a:ext>
+            </a:extLst>
+          </a:blip>
+          <a:stretch>
+            <a:fillRect/>
+          </a:stretch>
+        </p:blipFill>
+        <p:spPr>
+          <a:xfrm>
+            <a:off x="2142489" y="2810977"/>
+            <a:ext cx="5700596" cy="3790181"/>
+          </a:xfrm>
+          <a:prstGeom prst="rect">
+            <a:avLst/>
+          </a:prstGeom>
+        </p:spPr>
+      </p:pic>
     </p:spTree>
     <p:extLst>
       <p:ext uri="{BB962C8B-B14F-4D97-AF65-F5344CB8AC3E}">
-        <p14:creationId xmlns:p14="http://schemas.microsoft.com/office/powerpoint/2010/main" val="4004606440"/>
+        <p14:creationId xmlns:p14="http://schemas.microsoft.com/office/powerpoint/2010/main" val="1623070242"/>
       </p:ext>
     </p:extLst>
   </p:cSld>
@@ -4279,7 +4832,7 @@
           <a:p>
             <a:r>
               <a:rPr lang="en-US" dirty="0" smtClean="0"/>
-              <a:t>Future Development</a:t>
+              <a:t>Design Process</a:t>
             </a:r>
             <a:endParaRPr lang="en-US" dirty="0"/>
           </a:p>
@@ -4301,36 +4854,406 @@
           <a:lstStyle/>
           <a:p>
             <a:r>
+              <a:rPr lang="en-US" dirty="0"/>
+              <a:t>Create and link Firebase </a:t>
+            </a:r>
+            <a:r>
               <a:rPr lang="en-US" dirty="0" smtClean="0"/>
-              <a:t>More APIs (flights, public transportation and lodging).</a:t>
+              <a:t>Database</a:t>
             </a:r>
           </a:p>
           <a:p>
             <a:r>
               <a:rPr lang="en-US" dirty="0" smtClean="0"/>
-              <a:t>Creating a map that</a:t>
-            </a:r>
-            <a:r>
-              <a:rPr lang="mr-IN" dirty="0" smtClean="0"/>
-              <a:t>’</a:t>
-            </a:r>
-            <a:r>
-              <a:rPr lang="en-US" dirty="0" smtClean="0"/>
-              <a:t>s even more interactive.</a:t>
-            </a:r>
-          </a:p>
-          <a:p>
-            <a:endParaRPr lang="en-US" dirty="0" smtClean="0"/>
-          </a:p>
-          <a:p>
+              <a:t>Pull data</a:t>
+            </a:r>
             <a:endParaRPr lang="en-US" dirty="0"/>
           </a:p>
-        </p:txBody>
-      </p:sp>
+          <a:p>
+            <a:endParaRPr lang="en-US" dirty="0"/>
+          </a:p>
+        </p:txBody>
+      </p:sp>
+      <p:pic>
+        <p:nvPicPr>
+          <p:cNvPr id="4" name="Picture 3" descr="Screen Shot 2018-03-15 at 9.31.15 PM.png"/>
+          <p:cNvPicPr>
+            <a:picLocks noChangeAspect="1"/>
+          </p:cNvPicPr>
+          <p:nvPr/>
+        </p:nvPicPr>
+        <p:blipFill>
+          <a:blip r:embed="rId3">
+            <a:extLst>
+              <a:ext uri="{28A0092B-C50C-407E-A947-70E740481C1C}">
+                <a14:useLocalDpi xmlns:a14="http://schemas.microsoft.com/office/drawing/2010/main" val="0"/>
+              </a:ext>
+            </a:extLst>
+          </a:blip>
+          <a:stretch>
+            <a:fillRect/>
+          </a:stretch>
+        </p:blipFill>
+        <p:spPr>
+          <a:xfrm>
+            <a:off x="457200" y="2825114"/>
+            <a:ext cx="3904909" cy="2585101"/>
+          </a:xfrm>
+          <a:prstGeom prst="rect">
+            <a:avLst/>
+          </a:prstGeom>
+        </p:spPr>
+      </p:pic>
+      <p:pic>
+        <p:nvPicPr>
+          <p:cNvPr id="5" name="Picture 4" descr="Screen Shot 2018-03-15 at 9.36.19 PM.png"/>
+          <p:cNvPicPr>
+            <a:picLocks noChangeAspect="1"/>
+          </p:cNvPicPr>
+          <p:nvPr/>
+        </p:nvPicPr>
+        <p:blipFill>
+          <a:blip r:embed="rId4">
+            <a:extLst>
+              <a:ext uri="{28A0092B-C50C-407E-A947-70E740481C1C}">
+                <a14:useLocalDpi xmlns:a14="http://schemas.microsoft.com/office/drawing/2010/main" val="0"/>
+              </a:ext>
+            </a:extLst>
+          </a:blip>
+          <a:stretch>
+            <a:fillRect/>
+          </a:stretch>
+        </p:blipFill>
+        <p:spPr>
+          <a:xfrm>
+            <a:off x="4710867" y="2825114"/>
+            <a:ext cx="3975933" cy="2585101"/>
+          </a:xfrm>
+          <a:prstGeom prst="rect">
+            <a:avLst/>
+          </a:prstGeom>
+        </p:spPr>
+      </p:pic>
     </p:spTree>
     <p:extLst>
       <p:ext uri="{BB962C8B-B14F-4D97-AF65-F5344CB8AC3E}">
-        <p14:creationId xmlns:p14="http://schemas.microsoft.com/office/powerpoint/2010/main" val="2431316856"/>
+        <p14:creationId xmlns:p14="http://schemas.microsoft.com/office/powerpoint/2010/main" val="2906895139"/>
+      </p:ext>
+    </p:extLst>
+  </p:cSld>
+  <p:clrMapOvr>
+    <a:masterClrMapping/>
+  </p:clrMapOvr>
+  <p:timing>
+    <p:tnLst>
+      <p:par>
+        <p:cTn xmlns:p14="http://schemas.microsoft.com/office/powerpoint/2010/main" id="1" dur="indefinite" restart="never" nodeType="tmRoot"/>
+      </p:par>
+    </p:tnLst>
+  </p:timing>
+</p:sld>
+</file>
+
+<file path=ppt/slides/slide8.xml><?xml version="1.0" encoding="utf-8"?>
+<p:sld xmlns:a="http://schemas.openxmlformats.org/drawingml/2006/main" xmlns:r="http://schemas.openxmlformats.org/officeDocument/2006/relationships" xmlns:p="http://schemas.openxmlformats.org/presentationml/2006/main">
+  <p:cSld>
+    <p:bg>
+      <p:bgPr>
+        <a:blipFill rotWithShape="1">
+          <a:blip r:embed="rId2"/>
+          <a:tile tx="0" ty="0" sx="100000" sy="100000" flip="none" algn="tl"/>
+        </a:blipFill>
+        <a:effectLst/>
+      </p:bgPr>
+    </p:bg>
+    <p:spTree>
+      <p:nvGrpSpPr>
+        <p:cNvPr id="1" name=""/>
+        <p:cNvGrpSpPr/>
+        <p:nvPr/>
+      </p:nvGrpSpPr>
+      <p:grpSpPr>
+        <a:xfrm>
+          <a:off x="0" y="0"/>
+          <a:ext cx="0" cy="0"/>
+          <a:chOff x="0" y="0"/>
+          <a:chExt cx="0" cy="0"/>
+        </a:xfrm>
+      </p:grpSpPr>
+      <p:sp>
+        <p:nvSpPr>
+          <p:cNvPr id="2" name="Title 1"/>
+          <p:cNvSpPr>
+            <a:spLocks noGrp="1"/>
+          </p:cNvSpPr>
+          <p:nvPr>
+            <p:ph type="title"/>
+          </p:nvPr>
+        </p:nvSpPr>
+        <p:spPr/>
+        <p:txBody>
+          <a:bodyPr/>
+          <a:lstStyle/>
+          <a:p>
+            <a:r>
+              <a:rPr lang="en-US" dirty="0" smtClean="0"/>
+              <a:t>Design Process</a:t>
+            </a:r>
+            <a:endParaRPr lang="en-US" dirty="0"/>
+          </a:p>
+        </p:txBody>
+      </p:sp>
+      <p:sp>
+        <p:nvSpPr>
+          <p:cNvPr id="3" name="Content Placeholder 2"/>
+          <p:cNvSpPr>
+            <a:spLocks noGrp="1"/>
+          </p:cNvSpPr>
+          <p:nvPr>
+            <p:ph idx="1"/>
+          </p:nvPr>
+        </p:nvSpPr>
+        <p:spPr/>
+        <p:txBody>
+          <a:bodyPr/>
+          <a:lstStyle/>
+          <a:p>
+            <a:r>
+              <a:rPr lang="en-US" dirty="0"/>
+              <a:t>Use jQuery to display API </a:t>
+            </a:r>
+            <a:r>
+              <a:rPr lang="en-US" dirty="0" smtClean="0"/>
+              <a:t>information </a:t>
+            </a:r>
+            <a:r>
+              <a:rPr lang="en-US" dirty="0"/>
+              <a:t>to HTML</a:t>
+            </a:r>
+          </a:p>
+          <a:p>
+            <a:endParaRPr lang="en-US" dirty="0"/>
+          </a:p>
+        </p:txBody>
+      </p:sp>
+      <p:pic>
+        <p:nvPicPr>
+          <p:cNvPr id="4" name="Picture 3" descr="Screen Shot 2018-03-15 at 9.45.58 PM.png"/>
+          <p:cNvPicPr>
+            <a:picLocks noChangeAspect="1"/>
+          </p:cNvPicPr>
+          <p:nvPr/>
+        </p:nvPicPr>
+        <p:blipFill>
+          <a:blip r:embed="rId3">
+            <a:extLst>
+              <a:ext uri="{28A0092B-C50C-407E-A947-70E740481C1C}">
+                <a14:useLocalDpi xmlns:a14="http://schemas.microsoft.com/office/drawing/2010/main" val="0"/>
+              </a:ext>
+            </a:extLst>
+          </a:blip>
+          <a:stretch>
+            <a:fillRect/>
+          </a:stretch>
+        </p:blipFill>
+        <p:spPr>
+          <a:xfrm>
+            <a:off x="2226776" y="2457376"/>
+            <a:ext cx="5921837" cy="2044700"/>
+          </a:xfrm>
+          <a:prstGeom prst="rect">
+            <a:avLst/>
+          </a:prstGeom>
+        </p:spPr>
+      </p:pic>
+      <p:pic>
+        <p:nvPicPr>
+          <p:cNvPr id="6" name="Picture 5" descr="Screen Shot 2018-03-15 at 9.48.40 PM.png"/>
+          <p:cNvPicPr>
+            <a:picLocks noChangeAspect="1"/>
+          </p:cNvPicPr>
+          <p:nvPr/>
+        </p:nvPicPr>
+        <p:blipFill>
+          <a:blip r:embed="rId4">
+            <a:extLst>
+              <a:ext uri="{28A0092B-C50C-407E-A947-70E740481C1C}">
+                <a14:useLocalDpi xmlns:a14="http://schemas.microsoft.com/office/drawing/2010/main" val="0"/>
+              </a:ext>
+            </a:extLst>
+          </a:blip>
+          <a:stretch>
+            <a:fillRect/>
+          </a:stretch>
+        </p:blipFill>
+        <p:spPr>
+          <a:xfrm>
+            <a:off x="2498358" y="4618861"/>
+            <a:ext cx="4775200" cy="1574800"/>
+          </a:xfrm>
+          <a:prstGeom prst="rect">
+            <a:avLst/>
+          </a:prstGeom>
+        </p:spPr>
+      </p:pic>
+    </p:spTree>
+    <p:extLst>
+      <p:ext uri="{BB962C8B-B14F-4D97-AF65-F5344CB8AC3E}">
+        <p14:creationId xmlns:p14="http://schemas.microsoft.com/office/powerpoint/2010/main" val="956439771"/>
+      </p:ext>
+    </p:extLst>
+  </p:cSld>
+  <p:clrMapOvr>
+    <a:masterClrMapping/>
+  </p:clrMapOvr>
+  <p:timing>
+    <p:tnLst>
+      <p:par>
+        <p:cTn xmlns:p14="http://schemas.microsoft.com/office/powerpoint/2010/main" id="1" dur="indefinite" restart="never" nodeType="tmRoot"/>
+      </p:par>
+    </p:tnLst>
+  </p:timing>
+</p:sld>
+</file>
+
+<file path=ppt/slides/slide9.xml><?xml version="1.0" encoding="utf-8"?>
+<p:sld xmlns:a="http://schemas.openxmlformats.org/drawingml/2006/main" xmlns:r="http://schemas.openxmlformats.org/officeDocument/2006/relationships" xmlns:p="http://schemas.openxmlformats.org/presentationml/2006/main">
+  <p:cSld>
+    <p:bg>
+      <p:bgPr>
+        <a:blipFill rotWithShape="1">
+          <a:blip r:embed="rId2"/>
+          <a:tile tx="0" ty="0" sx="100000" sy="100000" flip="none" algn="tl"/>
+        </a:blipFill>
+        <a:effectLst/>
+      </p:bgPr>
+    </p:bg>
+    <p:spTree>
+      <p:nvGrpSpPr>
+        <p:cNvPr id="1" name=""/>
+        <p:cNvGrpSpPr/>
+        <p:nvPr/>
+      </p:nvGrpSpPr>
+      <p:grpSpPr>
+        <a:xfrm>
+          <a:off x="0" y="0"/>
+          <a:ext cx="0" cy="0"/>
+          <a:chOff x="0" y="0"/>
+          <a:chExt cx="0" cy="0"/>
+        </a:xfrm>
+      </p:grpSpPr>
+      <p:sp>
+        <p:nvSpPr>
+          <p:cNvPr id="2" name="Title 1"/>
+          <p:cNvSpPr>
+            <a:spLocks noGrp="1"/>
+          </p:cNvSpPr>
+          <p:nvPr>
+            <p:ph type="title"/>
+          </p:nvPr>
+        </p:nvSpPr>
+        <p:spPr/>
+        <p:txBody>
+          <a:bodyPr/>
+          <a:lstStyle/>
+          <a:p>
+            <a:r>
+              <a:rPr lang="en-US" dirty="0" smtClean="0"/>
+              <a:t>Design Process</a:t>
+            </a:r>
+            <a:endParaRPr lang="en-US" dirty="0"/>
+          </a:p>
+        </p:txBody>
+      </p:sp>
+      <p:sp>
+        <p:nvSpPr>
+          <p:cNvPr id="3" name="Content Placeholder 2"/>
+          <p:cNvSpPr>
+            <a:spLocks noGrp="1"/>
+          </p:cNvSpPr>
+          <p:nvPr>
+            <p:ph idx="1"/>
+          </p:nvPr>
+        </p:nvSpPr>
+        <p:spPr/>
+        <p:txBody>
+          <a:bodyPr/>
+          <a:lstStyle/>
+          <a:p>
+            <a:r>
+              <a:rPr lang="en-US" dirty="0"/>
+              <a:t>Add Styles using CSS to polish</a:t>
+            </a:r>
+          </a:p>
+          <a:p>
+            <a:endParaRPr lang="en-US" dirty="0"/>
+          </a:p>
+        </p:txBody>
+      </p:sp>
+      <p:pic>
+        <p:nvPicPr>
+          <p:cNvPr id="6" name="Picture 5" descr="Screen Shot 2018-03-15 at 9.52.01 PM.png"/>
+          <p:cNvPicPr>
+            <a:picLocks noChangeAspect="1"/>
+          </p:cNvPicPr>
+          <p:nvPr/>
+        </p:nvPicPr>
+        <p:blipFill>
+          <a:blip r:embed="rId3">
+            <a:extLst>
+              <a:ext uri="{28A0092B-C50C-407E-A947-70E740481C1C}">
+                <a14:useLocalDpi xmlns:a14="http://schemas.microsoft.com/office/drawing/2010/main" val="0"/>
+              </a:ext>
+            </a:extLst>
+          </a:blip>
+          <a:stretch>
+            <a:fillRect/>
+          </a:stretch>
+        </p:blipFill>
+        <p:spPr>
+          <a:xfrm>
+            <a:off x="457200" y="2418896"/>
+            <a:ext cx="4737363" cy="3930807"/>
+          </a:xfrm>
+          <a:prstGeom prst="rect">
+            <a:avLst/>
+          </a:prstGeom>
+        </p:spPr>
+      </p:pic>
+      <p:pic>
+        <p:nvPicPr>
+          <p:cNvPr id="8" name="Picture 7" descr="Screen Shot 2018-03-15 at 9.53.28 PM.png"/>
+          <p:cNvPicPr>
+            <a:picLocks noChangeAspect="1"/>
+          </p:cNvPicPr>
+          <p:nvPr/>
+        </p:nvPicPr>
+        <p:blipFill>
+          <a:blip r:embed="rId4">
+            <a:extLst>
+              <a:ext uri="{28A0092B-C50C-407E-A947-70E740481C1C}">
+                <a14:useLocalDpi xmlns:a14="http://schemas.microsoft.com/office/drawing/2010/main" val="0"/>
+              </a:ext>
+            </a:extLst>
+          </a:blip>
+          <a:stretch>
+            <a:fillRect/>
+          </a:stretch>
+        </p:blipFill>
+        <p:spPr>
+          <a:xfrm>
+            <a:off x="5562600" y="2402967"/>
+            <a:ext cx="3124200" cy="4224178"/>
+          </a:xfrm>
+          <a:prstGeom prst="rect">
+            <a:avLst/>
+          </a:prstGeom>
+        </p:spPr>
+      </p:pic>
+    </p:spTree>
+    <p:extLst>
+      <p:ext uri="{BB962C8B-B14F-4D97-AF65-F5344CB8AC3E}">
+        <p14:creationId xmlns:p14="http://schemas.microsoft.com/office/powerpoint/2010/main" val="2919257936"/>
       </p:ext>
     </p:extLst>
   </p:cSld>

--- a/Presentation1MyTravel.pptx
+++ b/Presentation1MyTravel.pptx
@@ -5,21 +5,23 @@
     <p:sldMasterId id="2147483648" r:id="rId1"/>
   </p:sldMasterIdLst>
   <p:notesMasterIdLst>
-    <p:notesMasterId r:id="rId14"/>
+    <p:notesMasterId r:id="rId16"/>
   </p:notesMasterIdLst>
   <p:sldIdLst>
     <p:sldId id="256" r:id="rId2"/>
-    <p:sldId id="257" r:id="rId3"/>
-    <p:sldId id="259" r:id="rId4"/>
-    <p:sldId id="258" r:id="rId5"/>
-    <p:sldId id="263" r:id="rId6"/>
-    <p:sldId id="264" r:id="rId7"/>
-    <p:sldId id="265" r:id="rId8"/>
-    <p:sldId id="266" r:id="rId9"/>
-    <p:sldId id="267" r:id="rId10"/>
-    <p:sldId id="262" r:id="rId11"/>
-    <p:sldId id="260" r:id="rId12"/>
-    <p:sldId id="261" r:id="rId13"/>
+    <p:sldId id="269" r:id="rId3"/>
+    <p:sldId id="257" r:id="rId4"/>
+    <p:sldId id="259" r:id="rId5"/>
+    <p:sldId id="268" r:id="rId6"/>
+    <p:sldId id="258" r:id="rId7"/>
+    <p:sldId id="263" r:id="rId8"/>
+    <p:sldId id="264" r:id="rId9"/>
+    <p:sldId id="266" r:id="rId10"/>
+    <p:sldId id="265" r:id="rId11"/>
+    <p:sldId id="267" r:id="rId12"/>
+    <p:sldId id="262" r:id="rId13"/>
+    <p:sldId id="260" r:id="rId14"/>
+    <p:sldId id="261" r:id="rId15"/>
   </p:sldIdLst>
   <p:sldSz cx="9144000" cy="6858000" type="screen4x3"/>
   <p:notesSz cx="6858000" cy="9144000"/>
@@ -575,7 +577,7 @@
           <a:p>
             <a:fld id="{14716D8A-0055-FE45-9B39-4E045E4D619B}" type="slidenum">
               <a:rPr lang="en-US" smtClean="0"/>
-              <a:t>2</a:t>
+              <a:t>3</a:t>
             </a:fld>
             <a:endParaRPr lang="en-US"/>
           </a:p>
@@ -640,6 +642,123 @@
           <a:p>
             <a:r>
               <a:rPr lang="en-US" dirty="0" smtClean="0"/>
+              <a:t>APIs- </a:t>
+            </a:r>
+            <a:r>
+              <a:rPr lang="en-US" dirty="0" err="1" smtClean="0"/>
+              <a:t>Tugo</a:t>
+            </a:r>
+            <a:r>
+              <a:rPr lang="en-US" dirty="0" smtClean="0"/>
+              <a:t>, Open Weather, Google Maps, Event</a:t>
+            </a:r>
+            <a:r>
+              <a:rPr lang="en-US" baseline="0" dirty="0" smtClean="0"/>
+              <a:t> </a:t>
+            </a:r>
+            <a:r>
+              <a:rPr lang="en-US" baseline="0" dirty="0" err="1" smtClean="0"/>
+              <a:t>Brite</a:t>
+            </a:r>
+            <a:endParaRPr lang="en-US" baseline="0" dirty="0" smtClean="0"/>
+          </a:p>
+          <a:p>
+            <a:r>
+              <a:rPr lang="en-US" baseline="0" dirty="0" smtClean="0"/>
+              <a:t>jQuery UI- tooltips and accordion menus</a:t>
+            </a:r>
+          </a:p>
+          <a:p>
+            <a:r>
+              <a:rPr lang="en-US" baseline="0" dirty="0" smtClean="0"/>
+              <a:t>Firebase- stored country name data so dropdown would be populated before return of API call</a:t>
+            </a:r>
+            <a:endParaRPr lang="en-US" dirty="0"/>
+          </a:p>
+        </p:txBody>
+      </p:sp>
+      <p:sp>
+        <p:nvSpPr>
+          <p:cNvPr id="4" name="Slide Number Placeholder 3"/>
+          <p:cNvSpPr>
+            <a:spLocks noGrp="1"/>
+          </p:cNvSpPr>
+          <p:nvPr>
+            <p:ph type="sldNum" sz="quarter" idx="10"/>
+          </p:nvPr>
+        </p:nvSpPr>
+        <p:spPr/>
+        <p:txBody>
+          <a:bodyPr/>
+          <a:lstStyle/>
+          <a:p>
+            <a:fld id="{14716D8A-0055-FE45-9B39-4E045E4D619B}" type="slidenum">
+              <a:rPr lang="en-US" smtClean="0"/>
+              <a:t>4</a:t>
+            </a:fld>
+            <a:endParaRPr lang="en-US"/>
+          </a:p>
+        </p:txBody>
+      </p:sp>
+    </p:spTree>
+    <p:extLst>
+      <p:ext uri="{BB962C8B-B14F-4D97-AF65-F5344CB8AC3E}">
+        <p14:creationId xmlns:p14="http://schemas.microsoft.com/office/powerpoint/2010/main" val="1838542030"/>
+      </p:ext>
+    </p:extLst>
+  </p:cSld>
+  <p:clrMapOvr>
+    <a:masterClrMapping/>
+  </p:clrMapOvr>
+</p:notes>
+</file>
+
+<file path=ppt/notesSlides/notesSlide3.xml><?xml version="1.0" encoding="utf-8"?>
+<p:notes xmlns:a="http://schemas.openxmlformats.org/drawingml/2006/main" xmlns:r="http://schemas.openxmlformats.org/officeDocument/2006/relationships" xmlns:p="http://schemas.openxmlformats.org/presentationml/2006/main">
+  <p:cSld>
+    <p:spTree>
+      <p:nvGrpSpPr>
+        <p:cNvPr id="1" name=""/>
+        <p:cNvGrpSpPr/>
+        <p:nvPr/>
+      </p:nvGrpSpPr>
+      <p:grpSpPr>
+        <a:xfrm>
+          <a:off x="0" y="0"/>
+          <a:ext cx="0" cy="0"/>
+          <a:chOff x="0" y="0"/>
+          <a:chExt cx="0" cy="0"/>
+        </a:xfrm>
+      </p:grpSpPr>
+      <p:sp>
+        <p:nvSpPr>
+          <p:cNvPr id="2" name="Slide Image Placeholder 1"/>
+          <p:cNvSpPr>
+            <a:spLocks noGrp="1" noRot="1" noChangeAspect="1"/>
+          </p:cNvSpPr>
+          <p:nvPr>
+            <p:ph type="sldImg"/>
+          </p:nvPr>
+        </p:nvSpPr>
+        <p:spPr/>
+      </p:sp>
+      <p:sp>
+        <p:nvSpPr>
+          <p:cNvPr id="3" name="Notes Placeholder 2"/>
+          <p:cNvSpPr>
+            <a:spLocks noGrp="1"/>
+          </p:cNvSpPr>
+          <p:nvPr>
+            <p:ph type="body" idx="1"/>
+          </p:nvPr>
+        </p:nvSpPr>
+        <p:spPr/>
+        <p:txBody>
+          <a:bodyPr/>
+          <a:lstStyle/>
+          <a:p>
+            <a:r>
+              <a:rPr lang="en-US" dirty="0" smtClean="0"/>
               <a:t>Also used </a:t>
             </a:r>
             <a:r>
@@ -667,7 +786,7 @@
           <a:p>
             <a:fld id="{14716D8A-0055-FE45-9B39-4E045E4D619B}" type="slidenum">
               <a:rPr lang="en-US" smtClean="0"/>
-              <a:t>5</a:t>
+              <a:t>7</a:t>
             </a:fld>
             <a:endParaRPr lang="en-US"/>
           </a:p>
@@ -677,6 +796,200 @@
     <p:extLst>
       <p:ext uri="{BB962C8B-B14F-4D97-AF65-F5344CB8AC3E}">
         <p14:creationId xmlns:p14="http://schemas.microsoft.com/office/powerpoint/2010/main" val="1118874094"/>
+      </p:ext>
+    </p:extLst>
+  </p:cSld>
+  <p:clrMapOvr>
+    <a:masterClrMapping/>
+  </p:clrMapOvr>
+</p:notes>
+</file>
+
+<file path=ppt/notesSlides/notesSlide4.xml><?xml version="1.0" encoding="utf-8"?>
+<p:notes xmlns:a="http://schemas.openxmlformats.org/drawingml/2006/main" xmlns:r="http://schemas.openxmlformats.org/officeDocument/2006/relationships" xmlns:p="http://schemas.openxmlformats.org/presentationml/2006/main">
+  <p:cSld>
+    <p:spTree>
+      <p:nvGrpSpPr>
+        <p:cNvPr id="1" name=""/>
+        <p:cNvGrpSpPr/>
+        <p:nvPr/>
+      </p:nvGrpSpPr>
+      <p:grpSpPr>
+        <a:xfrm>
+          <a:off x="0" y="0"/>
+          <a:ext cx="0" cy="0"/>
+          <a:chOff x="0" y="0"/>
+          <a:chExt cx="0" cy="0"/>
+        </a:xfrm>
+      </p:grpSpPr>
+      <p:sp>
+        <p:nvSpPr>
+          <p:cNvPr id="2" name="Slide Image Placeholder 1"/>
+          <p:cNvSpPr>
+            <a:spLocks noGrp="1" noRot="1" noChangeAspect="1"/>
+          </p:cNvSpPr>
+          <p:nvPr>
+            <p:ph type="sldImg"/>
+          </p:nvPr>
+        </p:nvSpPr>
+        <p:spPr/>
+      </p:sp>
+      <p:sp>
+        <p:nvSpPr>
+          <p:cNvPr id="3" name="Notes Placeholder 2"/>
+          <p:cNvSpPr>
+            <a:spLocks noGrp="1"/>
+          </p:cNvSpPr>
+          <p:nvPr>
+            <p:ph type="body" idx="1"/>
+          </p:nvPr>
+        </p:nvSpPr>
+        <p:spPr/>
+        <p:txBody>
+          <a:bodyPr/>
+          <a:lstStyle/>
+          <a:p>
+            <a:pPr marL="0" marR="0" indent="0" algn="l" defTabSz="457200" rtl="0" eaLnBrk="1" fontAlgn="auto" latinLnBrk="0" hangingPunct="1">
+              <a:lnSpc>
+                <a:spcPct val="100000"/>
+              </a:lnSpc>
+              <a:spcBef>
+                <a:spcPts val="0"/>
+              </a:spcBef>
+              <a:spcAft>
+                <a:spcPts val="0"/>
+              </a:spcAft>
+              <a:buClrTx/>
+              <a:buSzTx/>
+              <a:buFontTx/>
+              <a:buNone/>
+              <a:tabLst/>
+              <a:defRPr/>
+            </a:pPr>
+            <a:r>
+              <a:rPr lang="en-US" dirty="0" smtClean="0">
+                <a:hlinkClick r:id="rId3"/>
+              </a:rPr>
+              <a:t>https://taddes.github.io/Project-1-Travel-App/</a:t>
+            </a:r>
+            <a:endParaRPr lang="en-US" dirty="0" smtClean="0"/>
+          </a:p>
+          <a:p>
+            <a:endParaRPr lang="en-US" dirty="0"/>
+          </a:p>
+        </p:txBody>
+      </p:sp>
+      <p:sp>
+        <p:nvSpPr>
+          <p:cNvPr id="4" name="Slide Number Placeholder 3"/>
+          <p:cNvSpPr>
+            <a:spLocks noGrp="1"/>
+          </p:cNvSpPr>
+          <p:nvPr>
+            <p:ph type="sldNum" sz="quarter" idx="10"/>
+          </p:nvPr>
+        </p:nvSpPr>
+        <p:spPr/>
+        <p:txBody>
+          <a:bodyPr/>
+          <a:lstStyle/>
+          <a:p>
+            <a:fld id="{14716D8A-0055-FE45-9B39-4E045E4D619B}" type="slidenum">
+              <a:rPr lang="en-US" smtClean="0"/>
+              <a:t>13</a:t>
+            </a:fld>
+            <a:endParaRPr lang="en-US"/>
+          </a:p>
+        </p:txBody>
+      </p:sp>
+    </p:spTree>
+    <p:extLst>
+      <p:ext uri="{BB962C8B-B14F-4D97-AF65-F5344CB8AC3E}">
+        <p14:creationId xmlns:p14="http://schemas.microsoft.com/office/powerpoint/2010/main" val="2236865686"/>
+      </p:ext>
+    </p:extLst>
+  </p:cSld>
+  <p:clrMapOvr>
+    <a:masterClrMapping/>
+  </p:clrMapOvr>
+</p:notes>
+</file>
+
+<file path=ppt/notesSlides/notesSlide5.xml><?xml version="1.0" encoding="utf-8"?>
+<p:notes xmlns:a="http://schemas.openxmlformats.org/drawingml/2006/main" xmlns:r="http://schemas.openxmlformats.org/officeDocument/2006/relationships" xmlns:p="http://schemas.openxmlformats.org/presentationml/2006/main">
+  <p:cSld>
+    <p:spTree>
+      <p:nvGrpSpPr>
+        <p:cNvPr id="1" name=""/>
+        <p:cNvGrpSpPr/>
+        <p:nvPr/>
+      </p:nvGrpSpPr>
+      <p:grpSpPr>
+        <a:xfrm>
+          <a:off x="0" y="0"/>
+          <a:ext cx="0" cy="0"/>
+          <a:chOff x="0" y="0"/>
+          <a:chExt cx="0" cy="0"/>
+        </a:xfrm>
+      </p:grpSpPr>
+      <p:sp>
+        <p:nvSpPr>
+          <p:cNvPr id="2" name="Slide Image Placeholder 1"/>
+          <p:cNvSpPr>
+            <a:spLocks noGrp="1" noRot="1" noChangeAspect="1"/>
+          </p:cNvSpPr>
+          <p:nvPr>
+            <p:ph type="sldImg"/>
+          </p:nvPr>
+        </p:nvSpPr>
+        <p:spPr/>
+      </p:sp>
+      <p:sp>
+        <p:nvSpPr>
+          <p:cNvPr id="3" name="Notes Placeholder 2"/>
+          <p:cNvSpPr>
+            <a:spLocks noGrp="1"/>
+          </p:cNvSpPr>
+          <p:nvPr>
+            <p:ph type="body" idx="1"/>
+          </p:nvPr>
+        </p:nvSpPr>
+        <p:spPr/>
+        <p:txBody>
+          <a:bodyPr/>
+          <a:lstStyle/>
+          <a:p>
+            <a:endParaRPr lang="en-US" dirty="0"/>
+          </a:p>
+        </p:txBody>
+      </p:sp>
+      <p:sp>
+        <p:nvSpPr>
+          <p:cNvPr id="4" name="Slide Number Placeholder 3"/>
+          <p:cNvSpPr>
+            <a:spLocks noGrp="1"/>
+          </p:cNvSpPr>
+          <p:nvPr>
+            <p:ph type="sldNum" sz="quarter" idx="10"/>
+          </p:nvPr>
+        </p:nvSpPr>
+        <p:spPr/>
+        <p:txBody>
+          <a:bodyPr/>
+          <a:lstStyle/>
+          <a:p>
+            <a:fld id="{14716D8A-0055-FE45-9B39-4E045E4D619B}" type="slidenum">
+              <a:rPr lang="en-US" smtClean="0"/>
+              <a:t>14</a:t>
+            </a:fld>
+            <a:endParaRPr lang="en-US"/>
+          </a:p>
+        </p:txBody>
+      </p:sp>
+    </p:spTree>
+    <p:extLst>
+      <p:ext uri="{BB962C8B-B14F-4D97-AF65-F5344CB8AC3E}">
+        <p14:creationId xmlns:p14="http://schemas.microsoft.com/office/powerpoint/2010/main" val="659302272"/>
       </p:ext>
     </p:extLst>
   </p:cSld>
@@ -3767,6 +4080,13 @@
   <p:clrMapOvr>
     <a:masterClrMapping/>
   </p:clrMapOvr>
+  <p:timing>
+    <p:tnLst>
+      <p:par>
+        <p:cTn xmlns:p14="http://schemas.microsoft.com/office/powerpoint/2010/main" id="1" dur="indefinite" restart="never" nodeType="tmRoot"/>
+      </p:par>
+    </p:tnLst>
+  </p:timing>
 </p:sld>
 </file>
 
@@ -3813,7 +4133,7 @@
           <a:p>
             <a:r>
               <a:rPr lang="en-US" dirty="0" smtClean="0"/>
-              <a:t> Design Problems</a:t>
+              <a:t>Design Process</a:t>
             </a:r>
             <a:endParaRPr lang="en-US" dirty="0"/>
           </a:p>
@@ -3834,14 +4154,91 @@
           <a:bodyPr/>
           <a:lstStyle/>
           <a:p>
+            <a:r>
+              <a:rPr lang="en-US" dirty="0"/>
+              <a:t>Create and link Firebase </a:t>
+            </a:r>
+            <a:r>
+              <a:rPr lang="en-US" dirty="0" smtClean="0"/>
+              <a:t>Database</a:t>
+            </a:r>
+          </a:p>
+          <a:p>
+            <a:r>
+              <a:rPr lang="en-US" dirty="0" smtClean="0"/>
+              <a:t>Pull data</a:t>
+            </a:r>
             <a:endParaRPr lang="en-US" dirty="0"/>
           </a:p>
-        </p:txBody>
-      </p:sp>
+          <a:p>
+            <a:endParaRPr lang="en-US" dirty="0"/>
+          </a:p>
+        </p:txBody>
+      </p:sp>
+      <p:pic>
+        <p:nvPicPr>
+          <p:cNvPr id="4" name="Picture 3" descr="Screen Shot 2018-03-15 at 9.31.15 PM.png"/>
+          <p:cNvPicPr>
+            <a:picLocks noChangeAspect="1"/>
+          </p:cNvPicPr>
+          <p:nvPr/>
+        </p:nvPicPr>
+        <p:blipFill>
+          <a:blip r:embed="rId3">
+            <a:extLst>
+              <a:ext uri="{28A0092B-C50C-407E-A947-70E740481C1C}">
+                <a14:useLocalDpi xmlns:a14="http://schemas.microsoft.com/office/drawing/2010/main" val="0"/>
+              </a:ext>
+            </a:extLst>
+          </a:blip>
+          <a:stretch>
+            <a:fillRect/>
+          </a:stretch>
+        </p:blipFill>
+        <p:spPr>
+          <a:xfrm>
+            <a:off x="457200" y="2825114"/>
+            <a:ext cx="3904909" cy="2585101"/>
+          </a:xfrm>
+          <a:prstGeom prst="rect">
+            <a:avLst/>
+          </a:prstGeom>
+        </p:spPr>
+      </p:pic>
+      <p:pic>
+        <p:nvPicPr>
+          <p:cNvPr id="5" name="Picture 4" descr="Screen Shot 2018-03-15 at 9.36.19 PM.png"/>
+          <p:cNvPicPr>
+            <a:picLocks noChangeAspect="1"/>
+          </p:cNvPicPr>
+          <p:nvPr/>
+        </p:nvPicPr>
+        <p:blipFill>
+          <a:blip r:embed="rId4">
+            <a:extLst>
+              <a:ext uri="{28A0092B-C50C-407E-A947-70E740481C1C}">
+                <a14:useLocalDpi xmlns:a14="http://schemas.microsoft.com/office/drawing/2010/main" val="0"/>
+              </a:ext>
+            </a:extLst>
+          </a:blip>
+          <a:stretch>
+            <a:fillRect/>
+          </a:stretch>
+        </p:blipFill>
+        <p:spPr>
+          <a:xfrm>
+            <a:off x="4710867" y="2825114"/>
+            <a:ext cx="3975933" cy="2585101"/>
+          </a:xfrm>
+          <a:prstGeom prst="rect">
+            <a:avLst/>
+          </a:prstGeom>
+        </p:spPr>
+      </p:pic>
     </p:spTree>
     <p:extLst>
       <p:ext uri="{BB962C8B-B14F-4D97-AF65-F5344CB8AC3E}">
-        <p14:creationId xmlns:p14="http://schemas.microsoft.com/office/powerpoint/2010/main" val="1703106554"/>
+        <p14:creationId xmlns:p14="http://schemas.microsoft.com/office/powerpoint/2010/main" val="2906895139"/>
       </p:ext>
     </p:extLst>
   </p:cSld>
@@ -3901,7 +4298,7 @@
           <a:p>
             <a:r>
               <a:rPr lang="en-US" dirty="0" smtClean="0"/>
-              <a:t>Demonstration</a:t>
+              <a:t>Design Process</a:t>
             </a:r>
             <a:endParaRPr lang="en-US" dirty="0"/>
           </a:p>
@@ -3923,45 +4320,79 @@
           <a:lstStyle/>
           <a:p>
             <a:r>
-              <a:rPr lang="en-US" dirty="0" smtClean="0">
-                <a:hlinkClick r:id="rId3"/>
-              </a:rPr>
-              <a:t>https://taddes.github.io/Project-1-Travel-App/</a:t>
-            </a:r>
-            <a:endParaRPr lang="en-US" dirty="0" smtClean="0"/>
+              <a:rPr lang="en-US" dirty="0"/>
+              <a:t>Add Styles using CSS to polish</a:t>
+            </a:r>
           </a:p>
           <a:p>
             <a:endParaRPr lang="en-US" dirty="0"/>
           </a:p>
-          <a:p>
-            <a:r>
-              <a:rPr lang="en-US" dirty="0" smtClean="0"/>
-              <a:t>https://</a:t>
-            </a:r>
-            <a:r>
-              <a:rPr lang="en-US" dirty="0" err="1" smtClean="0"/>
-              <a:t>github.com</a:t>
-            </a:r>
-            <a:r>
-              <a:rPr lang="en-US" dirty="0" smtClean="0"/>
-              <a:t>/</a:t>
-            </a:r>
-            <a:r>
-              <a:rPr lang="en-US" dirty="0" err="1" smtClean="0"/>
-              <a:t>taddes</a:t>
-            </a:r>
-            <a:r>
-              <a:rPr lang="en-US" dirty="0" smtClean="0"/>
-              <a:t>/Project-1-Travel-App</a:t>
-            </a:r>
-            <a:endParaRPr lang="en-US" dirty="0"/>
-          </a:p>
-        </p:txBody>
-      </p:sp>
+        </p:txBody>
+      </p:sp>
+      <p:pic>
+        <p:nvPicPr>
+          <p:cNvPr id="6" name="Picture 5" descr="Screen Shot 2018-03-15 at 9.52.01 PM.png"/>
+          <p:cNvPicPr>
+            <a:picLocks noChangeAspect="1"/>
+          </p:cNvPicPr>
+          <p:nvPr/>
+        </p:nvPicPr>
+        <p:blipFill>
+          <a:blip r:embed="rId3">
+            <a:extLst>
+              <a:ext uri="{28A0092B-C50C-407E-A947-70E740481C1C}">
+                <a14:useLocalDpi xmlns:a14="http://schemas.microsoft.com/office/drawing/2010/main" val="0"/>
+              </a:ext>
+            </a:extLst>
+          </a:blip>
+          <a:stretch>
+            <a:fillRect/>
+          </a:stretch>
+        </p:blipFill>
+        <p:spPr>
+          <a:xfrm>
+            <a:off x="457200" y="2418896"/>
+            <a:ext cx="4737363" cy="3930807"/>
+          </a:xfrm>
+          <a:prstGeom prst="rect">
+            <a:avLst/>
+          </a:prstGeom>
+        </p:spPr>
+      </p:pic>
+      <p:pic>
+        <p:nvPicPr>
+          <p:cNvPr id="8" name="Picture 7" descr="Screen Shot 2018-03-15 at 9.53.28 PM.png"/>
+          <p:cNvPicPr>
+            <a:picLocks noChangeAspect="1"/>
+          </p:cNvPicPr>
+          <p:nvPr/>
+        </p:nvPicPr>
+        <p:blipFill>
+          <a:blip r:embed="rId4">
+            <a:extLst>
+              <a:ext uri="{28A0092B-C50C-407E-A947-70E740481C1C}">
+                <a14:useLocalDpi xmlns:a14="http://schemas.microsoft.com/office/drawing/2010/main" val="0"/>
+              </a:ext>
+            </a:extLst>
+          </a:blip>
+          <a:stretch>
+            <a:fillRect/>
+          </a:stretch>
+        </p:blipFill>
+        <p:spPr>
+          <a:xfrm>
+            <a:off x="5562600" y="2402967"/>
+            <a:ext cx="3124200" cy="4224178"/>
+          </a:xfrm>
+          <a:prstGeom prst="rect">
+            <a:avLst/>
+          </a:prstGeom>
+        </p:spPr>
+      </p:pic>
     </p:spTree>
     <p:extLst>
       <p:ext uri="{BB962C8B-B14F-4D97-AF65-F5344CB8AC3E}">
-        <p14:creationId xmlns:p14="http://schemas.microsoft.com/office/powerpoint/2010/main" val="4004606440"/>
+        <p14:creationId xmlns:p14="http://schemas.microsoft.com/office/powerpoint/2010/main" val="2919257936"/>
       </p:ext>
     </p:extLst>
   </p:cSld>
@@ -4021,7 +4452,7 @@
           <a:p>
             <a:r>
               <a:rPr lang="en-US" dirty="0" smtClean="0"/>
-              <a:t>Future Development</a:t>
+              <a:t>Problems Encountered</a:t>
             </a:r>
             <a:endParaRPr lang="en-US" dirty="0"/>
           </a:p>
@@ -4044,40 +4475,28 @@
           <a:p>
             <a:r>
               <a:rPr lang="en-US" dirty="0" smtClean="0"/>
-              <a:t>More APIs </a:t>
+              <a:t>Getting started with </a:t>
+            </a:r>
+            <a:r>
+              <a:rPr lang="en-US" dirty="0" err="1" smtClean="0"/>
+              <a:t>Git</a:t>
             </a:r>
             <a:endParaRPr lang="en-US" dirty="0" smtClean="0"/>
           </a:p>
           <a:p>
             <a:r>
               <a:rPr lang="en-US" dirty="0" smtClean="0"/>
-              <a:t>Inform user with lodging options</a:t>
-            </a:r>
+              <a:t>More accurate latitude and longitude data </a:t>
+            </a:r>
+          </a:p>
+          <a:p>
+            <a:r>
+              <a:rPr lang="en-US" dirty="0" smtClean="0"/>
+              <a:t>jQuery UI bug </a:t>
+            </a:r>
+          </a:p>
+          <a:p>
             <a:endParaRPr lang="en-US" dirty="0" smtClean="0"/>
-          </a:p>
-          <a:p>
-            <a:r>
-              <a:rPr lang="en-US" dirty="0" smtClean="0"/>
-              <a:t>Inform the user with flight costs</a:t>
-            </a:r>
-          </a:p>
-          <a:p>
-            <a:r>
-              <a:rPr lang="en-US" dirty="0" smtClean="0"/>
-              <a:t>Creating </a:t>
-            </a:r>
-            <a:r>
-              <a:rPr lang="en-US" dirty="0" smtClean="0"/>
-              <a:t>a map that</a:t>
-            </a:r>
-            <a:r>
-              <a:rPr lang="mr-IN" dirty="0" smtClean="0"/>
-              <a:t>’</a:t>
-            </a:r>
-            <a:r>
-              <a:rPr lang="en-US" dirty="0" smtClean="0"/>
-              <a:t>s even more interactive.</a:t>
-            </a:r>
           </a:p>
           <a:p>
             <a:endParaRPr lang="en-US" dirty="0" smtClean="0"/>
@@ -4090,7 +4509,7 @@
     </p:spTree>
     <p:extLst>
       <p:ext uri="{BB962C8B-B14F-4D97-AF65-F5344CB8AC3E}">
-        <p14:creationId xmlns:p14="http://schemas.microsoft.com/office/powerpoint/2010/main" val="2431316856"/>
+        <p14:creationId xmlns:p14="http://schemas.microsoft.com/office/powerpoint/2010/main" val="1703106554"/>
       </p:ext>
     </p:extLst>
   </p:cSld>
@@ -4107,7 +4526,7 @@
 </p:sld>
 </file>
 
-<file path=ppt/slides/slide2.xml><?xml version="1.0" encoding="utf-8"?>
+<file path=ppt/slides/slide13.xml><?xml version="1.0" encoding="utf-8"?>
 <p:sld xmlns:a="http://schemas.openxmlformats.org/drawingml/2006/main" xmlns:r="http://schemas.openxmlformats.org/officeDocument/2006/relationships" xmlns:p="http://schemas.openxmlformats.org/presentationml/2006/main">
   <p:cSld>
     <p:bg>
@@ -4150,6 +4569,351 @@
           <a:p>
             <a:r>
               <a:rPr lang="en-US" dirty="0" smtClean="0"/>
+              <a:t>Demonstration</a:t>
+            </a:r>
+            <a:endParaRPr lang="en-US" dirty="0"/>
+          </a:p>
+        </p:txBody>
+      </p:sp>
+      <p:sp>
+        <p:nvSpPr>
+          <p:cNvPr id="3" name="Content Placeholder 2"/>
+          <p:cNvSpPr>
+            <a:spLocks noGrp="1"/>
+          </p:cNvSpPr>
+          <p:nvPr>
+            <p:ph idx="1"/>
+          </p:nvPr>
+        </p:nvSpPr>
+        <p:spPr/>
+        <p:txBody>
+          <a:bodyPr/>
+          <a:lstStyle/>
+          <a:p>
+            <a:r>
+              <a:rPr lang="en-US" dirty="0" smtClean="0">
+                <a:hlinkClick r:id="rId4"/>
+              </a:rPr>
+              <a:t>https://taddes.github.io/Project-1-Travel-App/</a:t>
+            </a:r>
+            <a:endParaRPr lang="en-US" dirty="0" smtClean="0"/>
+          </a:p>
+          <a:p>
+            <a:endParaRPr lang="en-US" dirty="0"/>
+          </a:p>
+          <a:p>
+            <a:r>
+              <a:rPr lang="en-US" dirty="0" smtClean="0"/>
+              <a:t>https://</a:t>
+            </a:r>
+            <a:r>
+              <a:rPr lang="en-US" dirty="0" err="1" smtClean="0"/>
+              <a:t>github.com</a:t>
+            </a:r>
+            <a:r>
+              <a:rPr lang="en-US" dirty="0" smtClean="0"/>
+              <a:t>/</a:t>
+            </a:r>
+            <a:r>
+              <a:rPr lang="en-US" dirty="0" err="1" smtClean="0"/>
+              <a:t>taddes</a:t>
+            </a:r>
+            <a:r>
+              <a:rPr lang="en-US" dirty="0" smtClean="0"/>
+              <a:t>/Project-1-Travel-App</a:t>
+            </a:r>
+            <a:endParaRPr lang="en-US" dirty="0"/>
+          </a:p>
+        </p:txBody>
+      </p:sp>
+    </p:spTree>
+    <p:extLst>
+      <p:ext uri="{BB962C8B-B14F-4D97-AF65-F5344CB8AC3E}">
+        <p14:creationId xmlns:p14="http://schemas.microsoft.com/office/powerpoint/2010/main" val="4004606440"/>
+      </p:ext>
+    </p:extLst>
+  </p:cSld>
+  <p:clrMapOvr>
+    <a:masterClrMapping/>
+  </p:clrMapOvr>
+  <p:timing>
+    <p:tnLst>
+      <p:par>
+        <p:cTn xmlns:p14="http://schemas.microsoft.com/office/powerpoint/2010/main" id="1" dur="indefinite" restart="never" nodeType="tmRoot"/>
+      </p:par>
+    </p:tnLst>
+  </p:timing>
+</p:sld>
+</file>
+
+<file path=ppt/slides/slide14.xml><?xml version="1.0" encoding="utf-8"?>
+<p:sld xmlns:a="http://schemas.openxmlformats.org/drawingml/2006/main" xmlns:r="http://schemas.openxmlformats.org/officeDocument/2006/relationships" xmlns:p="http://schemas.openxmlformats.org/presentationml/2006/main">
+  <p:cSld>
+    <p:bg>
+      <p:bgPr>
+        <a:blipFill rotWithShape="1">
+          <a:blip r:embed="rId3"/>
+          <a:tile tx="0" ty="0" sx="100000" sy="100000" flip="none" algn="tl"/>
+        </a:blipFill>
+        <a:effectLst/>
+      </p:bgPr>
+    </p:bg>
+    <p:spTree>
+      <p:nvGrpSpPr>
+        <p:cNvPr id="1" name=""/>
+        <p:cNvGrpSpPr/>
+        <p:nvPr/>
+      </p:nvGrpSpPr>
+      <p:grpSpPr>
+        <a:xfrm>
+          <a:off x="0" y="0"/>
+          <a:ext cx="0" cy="0"/>
+          <a:chOff x="0" y="0"/>
+          <a:chExt cx="0" cy="0"/>
+        </a:xfrm>
+      </p:grpSpPr>
+      <p:sp>
+        <p:nvSpPr>
+          <p:cNvPr id="2" name="Title 1"/>
+          <p:cNvSpPr>
+            <a:spLocks noGrp="1"/>
+          </p:cNvSpPr>
+          <p:nvPr>
+            <p:ph type="title"/>
+          </p:nvPr>
+        </p:nvSpPr>
+        <p:spPr/>
+        <p:txBody>
+          <a:bodyPr/>
+          <a:lstStyle/>
+          <a:p>
+            <a:r>
+              <a:rPr lang="en-US" dirty="0" smtClean="0"/>
+              <a:t>Future Development</a:t>
+            </a:r>
+            <a:endParaRPr lang="en-US" dirty="0"/>
+          </a:p>
+        </p:txBody>
+      </p:sp>
+      <p:sp>
+        <p:nvSpPr>
+          <p:cNvPr id="3" name="Content Placeholder 2"/>
+          <p:cNvSpPr>
+            <a:spLocks noGrp="1"/>
+          </p:cNvSpPr>
+          <p:nvPr>
+            <p:ph idx="1"/>
+          </p:nvPr>
+        </p:nvSpPr>
+        <p:spPr/>
+        <p:txBody>
+          <a:bodyPr/>
+          <a:lstStyle/>
+          <a:p>
+            <a:r>
+              <a:rPr lang="en-US" dirty="0" smtClean="0"/>
+              <a:t>More APIs </a:t>
+            </a:r>
+            <a:endParaRPr lang="en-US" dirty="0"/>
+          </a:p>
+          <a:p>
+            <a:r>
+              <a:rPr lang="en-US" dirty="0" smtClean="0"/>
+              <a:t>Open Weather API giving a 5 day forecast</a:t>
+            </a:r>
+          </a:p>
+          <a:p>
+            <a:r>
+              <a:rPr lang="en-US" dirty="0" smtClean="0"/>
+              <a:t>Inform user with lodging options</a:t>
+            </a:r>
+            <a:endParaRPr lang="en-US" dirty="0" smtClean="0"/>
+          </a:p>
+          <a:p>
+            <a:r>
+              <a:rPr lang="en-US" dirty="0" smtClean="0"/>
+              <a:t>Inform the user with current flight costs</a:t>
+            </a:r>
+          </a:p>
+          <a:p>
+            <a:r>
+              <a:rPr lang="en-US" dirty="0" smtClean="0"/>
+              <a:t>Creating </a:t>
+            </a:r>
+            <a:r>
+              <a:rPr lang="en-US" dirty="0" smtClean="0"/>
+              <a:t>a map that</a:t>
+            </a:r>
+            <a:r>
+              <a:rPr lang="mr-IN" dirty="0" smtClean="0"/>
+              <a:t>’</a:t>
+            </a:r>
+            <a:r>
+              <a:rPr lang="en-US" dirty="0" smtClean="0"/>
+              <a:t>s even more interactive.</a:t>
+            </a:r>
+          </a:p>
+          <a:p>
+            <a:r>
+              <a:rPr lang="en-US" dirty="0" smtClean="0"/>
+              <a:t>Access to historical data on flight cost and weather; stored in firebase</a:t>
+            </a:r>
+            <a:endParaRPr lang="en-US" dirty="0" smtClean="0"/>
+          </a:p>
+          <a:p>
+            <a:endParaRPr lang="en-US" dirty="0"/>
+          </a:p>
+        </p:txBody>
+      </p:sp>
+    </p:spTree>
+    <p:extLst>
+      <p:ext uri="{BB962C8B-B14F-4D97-AF65-F5344CB8AC3E}">
+        <p14:creationId xmlns:p14="http://schemas.microsoft.com/office/powerpoint/2010/main" val="2431316856"/>
+      </p:ext>
+    </p:extLst>
+  </p:cSld>
+  <p:clrMapOvr>
+    <a:masterClrMapping/>
+  </p:clrMapOvr>
+  <p:timing>
+    <p:tnLst>
+      <p:par>
+        <p:cTn xmlns:p14="http://schemas.microsoft.com/office/powerpoint/2010/main" id="1" dur="indefinite" restart="never" nodeType="tmRoot"/>
+      </p:par>
+    </p:tnLst>
+  </p:timing>
+</p:sld>
+</file>
+
+<file path=ppt/slides/slide2.xml><?xml version="1.0" encoding="utf-8"?>
+<p:sld xmlns:a="http://schemas.openxmlformats.org/drawingml/2006/main" xmlns:r="http://schemas.openxmlformats.org/officeDocument/2006/relationships" xmlns:p="http://schemas.openxmlformats.org/presentationml/2006/main">
+  <p:cSld>
+    <p:spTree>
+      <p:nvGrpSpPr>
+        <p:cNvPr id="1" name=""/>
+        <p:cNvGrpSpPr/>
+        <p:nvPr/>
+      </p:nvGrpSpPr>
+      <p:grpSpPr>
+        <a:xfrm>
+          <a:off x="0" y="0"/>
+          <a:ext cx="0" cy="0"/>
+          <a:chOff x="0" y="0"/>
+          <a:chExt cx="0" cy="0"/>
+        </a:xfrm>
+      </p:grpSpPr>
+      <p:sp>
+        <p:nvSpPr>
+          <p:cNvPr id="2" name="Title 1"/>
+          <p:cNvSpPr>
+            <a:spLocks noGrp="1"/>
+          </p:cNvSpPr>
+          <p:nvPr>
+            <p:ph type="title"/>
+          </p:nvPr>
+        </p:nvSpPr>
+        <p:spPr/>
+        <p:txBody>
+          <a:bodyPr/>
+          <a:lstStyle/>
+          <a:p>
+            <a:endParaRPr lang="en-US"/>
+          </a:p>
+        </p:txBody>
+      </p:sp>
+      <p:pic>
+        <p:nvPicPr>
+          <p:cNvPr id="6" name="Content Placeholder 5" descr="Screen Shot 2018-03-16 at 9.37.52 AM.png"/>
+          <p:cNvPicPr>
+            <a:picLocks noGrp="1" noChangeAspect="1"/>
+          </p:cNvPicPr>
+          <p:nvPr>
+            <p:ph idx="1"/>
+          </p:nvPr>
+        </p:nvPicPr>
+        <p:blipFill>
+          <a:blip r:embed="rId2">
+            <a:extLst>
+              <a:ext uri="{28A0092B-C50C-407E-A947-70E740481C1C}">
+                <a14:useLocalDpi xmlns:a14="http://schemas.microsoft.com/office/drawing/2010/main" val="0"/>
+              </a:ext>
+            </a:extLst>
+          </a:blip>
+          <a:srcRect l="-2196" r="-2196"/>
+          <a:stretch>
+            <a:fillRect/>
+          </a:stretch>
+        </p:blipFill>
+        <p:spPr>
+          <a:xfrm>
+            <a:off x="-299686" y="0"/>
+            <a:ext cx="9661315" cy="6858000"/>
+          </a:xfrm>
+        </p:spPr>
+      </p:pic>
+    </p:spTree>
+    <p:extLst>
+      <p:ext uri="{BB962C8B-B14F-4D97-AF65-F5344CB8AC3E}">
+        <p14:creationId xmlns:p14="http://schemas.microsoft.com/office/powerpoint/2010/main" val="872153941"/>
+      </p:ext>
+    </p:extLst>
+  </p:cSld>
+  <p:clrMapOvr>
+    <a:masterClrMapping/>
+  </p:clrMapOvr>
+  <p:timing>
+    <p:tnLst>
+      <p:par>
+        <p:cTn xmlns:p14="http://schemas.microsoft.com/office/powerpoint/2010/main" id="1" dur="indefinite" restart="never" nodeType="tmRoot"/>
+      </p:par>
+    </p:tnLst>
+  </p:timing>
+</p:sld>
+</file>
+
+<file path=ppt/slides/slide3.xml><?xml version="1.0" encoding="utf-8"?>
+<p:sld xmlns:a="http://schemas.openxmlformats.org/drawingml/2006/main" xmlns:r="http://schemas.openxmlformats.org/officeDocument/2006/relationships" xmlns:p="http://schemas.openxmlformats.org/presentationml/2006/main">
+  <p:cSld>
+    <p:bg>
+      <p:bgPr>
+        <a:blipFill rotWithShape="1">
+          <a:blip r:embed="rId3"/>
+          <a:tile tx="0" ty="0" sx="100000" sy="100000" flip="none" algn="tl"/>
+        </a:blipFill>
+        <a:effectLst/>
+      </p:bgPr>
+    </p:bg>
+    <p:spTree>
+      <p:nvGrpSpPr>
+        <p:cNvPr id="1" name=""/>
+        <p:cNvGrpSpPr/>
+        <p:nvPr/>
+      </p:nvGrpSpPr>
+      <p:grpSpPr>
+        <a:xfrm>
+          <a:off x="0" y="0"/>
+          <a:ext cx="0" cy="0"/>
+          <a:chOff x="0" y="0"/>
+          <a:chExt cx="0" cy="0"/>
+        </a:xfrm>
+      </p:grpSpPr>
+      <p:sp>
+        <p:nvSpPr>
+          <p:cNvPr id="2" name="Title 1"/>
+          <p:cNvSpPr>
+            <a:spLocks noGrp="1"/>
+          </p:cNvSpPr>
+          <p:nvPr>
+            <p:ph type="title"/>
+          </p:nvPr>
+        </p:nvSpPr>
+        <p:spPr/>
+        <p:txBody>
+          <a:bodyPr/>
+          <a:lstStyle/>
+          <a:p>
+            <a:r>
+              <a:rPr lang="en-US" dirty="0" smtClean="0"/>
               <a:t>My Travel App</a:t>
             </a:r>
             <a:endParaRPr lang="en-US" dirty="0"/>
@@ -4213,7 +4977,145 @@
 </p:sld>
 </file>
 
-<file path=ppt/slides/slide3.xml><?xml version="1.0" encoding="utf-8"?>
+<file path=ppt/slides/slide4.xml><?xml version="1.0" encoding="utf-8"?>
+<p:sld xmlns:a="http://schemas.openxmlformats.org/drawingml/2006/main" xmlns:r="http://schemas.openxmlformats.org/officeDocument/2006/relationships" xmlns:p="http://schemas.openxmlformats.org/presentationml/2006/main">
+  <p:cSld>
+    <p:bg>
+      <p:bgPr>
+        <a:blipFill rotWithShape="1">
+          <a:blip r:embed="rId3"/>
+          <a:tile tx="0" ty="0" sx="100000" sy="100000" flip="none" algn="tl"/>
+        </a:blipFill>
+        <a:effectLst/>
+      </p:bgPr>
+    </p:bg>
+    <p:spTree>
+      <p:nvGrpSpPr>
+        <p:cNvPr id="1" name=""/>
+        <p:cNvGrpSpPr/>
+        <p:nvPr/>
+      </p:nvGrpSpPr>
+      <p:grpSpPr>
+        <a:xfrm>
+          <a:off x="0" y="0"/>
+          <a:ext cx="0" cy="0"/>
+          <a:chOff x="0" y="0"/>
+          <a:chExt cx="0" cy="0"/>
+        </a:xfrm>
+      </p:grpSpPr>
+      <p:sp>
+        <p:nvSpPr>
+          <p:cNvPr id="2" name="Title 1"/>
+          <p:cNvSpPr>
+            <a:spLocks noGrp="1"/>
+          </p:cNvSpPr>
+          <p:nvPr>
+            <p:ph type="title"/>
+          </p:nvPr>
+        </p:nvSpPr>
+        <p:spPr/>
+        <p:txBody>
+          <a:bodyPr/>
+          <a:lstStyle/>
+          <a:p>
+            <a:r>
+              <a:rPr lang="en-US" dirty="0" smtClean="0"/>
+              <a:t>Technologies </a:t>
+            </a:r>
+            <a:endParaRPr lang="en-US" dirty="0"/>
+          </a:p>
+        </p:txBody>
+      </p:sp>
+      <p:sp>
+        <p:nvSpPr>
+          <p:cNvPr id="3" name="Content Placeholder 2"/>
+          <p:cNvSpPr>
+            <a:spLocks noGrp="1"/>
+          </p:cNvSpPr>
+          <p:nvPr>
+            <p:ph idx="1"/>
+          </p:nvPr>
+        </p:nvSpPr>
+        <p:spPr/>
+        <p:txBody>
+          <a:bodyPr>
+            <a:normAutofit lnSpcReduction="10000"/>
+          </a:bodyPr>
+          <a:lstStyle/>
+          <a:p>
+            <a:r>
+              <a:rPr lang="en-US" dirty="0" smtClean="0"/>
+              <a:t>HTML</a:t>
+            </a:r>
+          </a:p>
+          <a:p>
+            <a:r>
+              <a:rPr lang="en-US" dirty="0" smtClean="0"/>
+              <a:t>CSS</a:t>
+            </a:r>
+          </a:p>
+          <a:p>
+            <a:r>
+              <a:rPr lang="en-US" dirty="0" smtClean="0"/>
+              <a:t>JavaScript</a:t>
+            </a:r>
+          </a:p>
+          <a:p>
+            <a:r>
+              <a:rPr lang="en-US" dirty="0" smtClean="0"/>
+              <a:t>jQuery</a:t>
+            </a:r>
+          </a:p>
+          <a:p>
+            <a:r>
+              <a:rPr lang="en-US" dirty="0" smtClean="0"/>
+              <a:t>APIs and AJAX </a:t>
+            </a:r>
+          </a:p>
+          <a:p>
+            <a:r>
+              <a:rPr lang="en-US" dirty="0" smtClean="0"/>
+              <a:t>Bootstrap Library</a:t>
+            </a:r>
+          </a:p>
+          <a:p>
+            <a:r>
+              <a:rPr lang="en-US" dirty="0" smtClean="0"/>
+              <a:t>jQuery UI Library</a:t>
+            </a:r>
+          </a:p>
+          <a:p>
+            <a:r>
+              <a:rPr lang="en-US" dirty="0" smtClean="0"/>
+              <a:t>Firebase</a:t>
+            </a:r>
+          </a:p>
+          <a:p>
+            <a:endParaRPr lang="en-US" dirty="0"/>
+          </a:p>
+        </p:txBody>
+      </p:sp>
+    </p:spTree>
+    <p:extLst>
+      <p:ext uri="{BB962C8B-B14F-4D97-AF65-F5344CB8AC3E}">
+        <p14:creationId xmlns:p14="http://schemas.microsoft.com/office/powerpoint/2010/main" val="2156309982"/>
+      </p:ext>
+    </p:extLst>
+  </p:cSld>
+  <p:clrMapOvr>
+    <a:masterClrMapping/>
+  </p:clrMapOvr>
+  <p:timing>
+    <p:tnLst>
+      <p:par>
+        <p:cTn xmlns:p14="http://schemas.microsoft.com/office/powerpoint/2010/main" id="1" dur="indefinite" restart="never" nodeType="tmRoot"/>
+      </p:par>
+    </p:tnLst>
+  </p:timing>
+</p:sld>
+</file>
+
+<file path=ppt/slides/slide5.xml><?xml version="1.0" encoding="utf-8"?>
 <p:sld xmlns:a="http://schemas.openxmlformats.org/drawingml/2006/main" xmlns:r="http://schemas.openxmlformats.org/officeDocument/2006/relationships" xmlns:p="http://schemas.openxmlformats.org/presentationml/2006/main">
   <p:cSld>
     <p:bg>
@@ -4256,7 +5158,7 @@
           <a:p>
             <a:r>
               <a:rPr lang="en-US" dirty="0" smtClean="0"/>
-              <a:t>Technologies </a:t>
+              <a:t>Design Process</a:t>
             </a:r>
             <a:endParaRPr lang="en-US" dirty="0"/>
           </a:p>
@@ -4274,59 +5176,31 @@
         </p:nvSpPr>
         <p:spPr/>
         <p:txBody>
-          <a:bodyPr>
-            <a:normAutofit lnSpcReduction="10000"/>
-          </a:bodyPr>
+          <a:bodyPr/>
           <a:lstStyle/>
           <a:p>
             <a:r>
               <a:rPr lang="en-US" dirty="0" smtClean="0"/>
-              <a:t>HTML</a:t>
+              <a:t>Organization of Methods for Completion </a:t>
             </a:r>
           </a:p>
           <a:p>
             <a:r>
               <a:rPr lang="en-US" dirty="0" smtClean="0"/>
-              <a:t>CSS</a:t>
+              <a:t>Create Story Map </a:t>
             </a:r>
           </a:p>
           <a:p>
             <a:r>
               <a:rPr lang="en-US" dirty="0" smtClean="0"/>
-              <a:t>JavaScript</a:t>
+              <a:t>Designate tasks for specific group members</a:t>
             </a:r>
           </a:p>
           <a:p>
             <a:r>
               <a:rPr lang="en-US" dirty="0" smtClean="0"/>
-              <a:t>jQuery</a:t>
-            </a:r>
-          </a:p>
-          <a:p>
-            <a:r>
-              <a:rPr lang="en-US" dirty="0" smtClean="0"/>
-              <a:t>APIs and AJAX </a:t>
-            </a:r>
-          </a:p>
-          <a:p>
-            <a:r>
-              <a:rPr lang="en-US" dirty="0" smtClean="0"/>
-              <a:t>Bootstrap Library</a:t>
-            </a:r>
-          </a:p>
-          <a:p>
-            <a:r>
-              <a:rPr lang="en-US" dirty="0" smtClean="0"/>
-              <a:t>jQuery UI Library</a:t>
-            </a:r>
-          </a:p>
-          <a:p>
-            <a:r>
-              <a:rPr lang="en-US" dirty="0" smtClean="0"/>
-              <a:t>Firebase</a:t>
-            </a:r>
-          </a:p>
-          <a:p>
+              <a:t>Researched APIs</a:t>
+            </a:r>
             <a:endParaRPr lang="en-US" dirty="0"/>
           </a:p>
         </p:txBody>
@@ -4334,7 +5208,7 @@
     </p:spTree>
     <p:extLst>
       <p:ext uri="{BB962C8B-B14F-4D97-AF65-F5344CB8AC3E}">
-        <p14:creationId xmlns:p14="http://schemas.microsoft.com/office/powerpoint/2010/main" val="2156309982"/>
+        <p14:creationId xmlns:p14="http://schemas.microsoft.com/office/powerpoint/2010/main" val="2648917710"/>
       </p:ext>
     </p:extLst>
   </p:cSld>
@@ -4351,7 +5225,7 @@
 </p:sld>
 </file>
 
-<file path=ppt/slides/slide4.xml><?xml version="1.0" encoding="utf-8"?>
+<file path=ppt/slides/slide6.xml><?xml version="1.0" encoding="utf-8"?>
 <p:sld xmlns:a="http://schemas.openxmlformats.org/drawingml/2006/main" xmlns:r="http://schemas.openxmlformats.org/officeDocument/2006/relationships" xmlns:p="http://schemas.openxmlformats.org/presentationml/2006/main">
   <p:cSld>
     <p:bg>
@@ -4503,7 +5377,7 @@
 </p:sld>
 </file>
 
-<file path=ppt/slides/slide5.xml><?xml version="1.0" encoding="utf-8"?>
+<file path=ppt/slides/slide7.xml><?xml version="1.0" encoding="utf-8"?>
 <p:sld xmlns:a="http://schemas.openxmlformats.org/drawingml/2006/main" xmlns:r="http://schemas.openxmlformats.org/officeDocument/2006/relationships" xmlns:p="http://schemas.openxmlformats.org/presentationml/2006/main">
   <p:cSld>
     <p:bg>
@@ -4659,7 +5533,7 @@
 </p:sld>
 </file>
 
-<file path=ppt/slides/slide6.xml><?xml version="1.0" encoding="utf-8"?>
+<file path=ppt/slides/slide8.xml><?xml version="1.0" encoding="utf-8"?>
 <p:sld xmlns:a="http://schemas.openxmlformats.org/drawingml/2006/main" xmlns:r="http://schemas.openxmlformats.org/officeDocument/2006/relationships" xmlns:p="http://schemas.openxmlformats.org/presentationml/2006/main">
   <p:cSld>
     <p:bg>
@@ -4724,8 +5598,12 @@
           <a:lstStyle/>
           <a:p>
             <a:r>
+              <a:rPr lang="en-US" dirty="0" smtClean="0"/>
+              <a:t>Create </a:t>
+            </a:r>
+            <a:r>
               <a:rPr lang="en-US" dirty="0"/>
-              <a:t>Create AJAX calls for each API</a:t>
+              <a:t>AJAX calls for each API</a:t>
             </a:r>
           </a:p>
           <a:p>
@@ -4761,8 +5639,8 @@
         </p:blipFill>
         <p:spPr>
           <a:xfrm>
-            <a:off x="2142489" y="2810977"/>
-            <a:ext cx="5700596" cy="3790181"/>
+            <a:off x="2142489" y="3062468"/>
+            <a:ext cx="5700596" cy="3481616"/>
           </a:xfrm>
           <a:prstGeom prst="rect">
             <a:avLst/>
@@ -4789,7 +5667,7 @@
 </p:sld>
 </file>
 
-<file path=ppt/slides/slide7.xml><?xml version="1.0" encoding="utf-8"?>
+<file path=ppt/slides/slide9.xml><?xml version="1.0" encoding="utf-8"?>
 <p:sld xmlns:a="http://schemas.openxmlformats.org/drawingml/2006/main" xmlns:r="http://schemas.openxmlformats.org/officeDocument/2006/relationships" xmlns:p="http://schemas.openxmlformats.org/presentationml/2006/main">
   <p:cSld>
     <p:bg>
@@ -4855,176 +5733,11 @@
           <a:p>
             <a:r>
               <a:rPr lang="en-US" dirty="0"/>
-              <a:t>Create and link Firebase </a:t>
+              <a:t>Use jQuery to display API </a:t>
             </a:r>
             <a:r>
               <a:rPr lang="en-US" dirty="0" smtClean="0"/>
-              <a:t>Database</a:t>
-            </a:r>
-          </a:p>
-          <a:p>
-            <a:r>
-              <a:rPr lang="en-US" dirty="0" smtClean="0"/>
-              <a:t>Pull data</a:t>
-            </a:r>
-            <a:endParaRPr lang="en-US" dirty="0"/>
-          </a:p>
-          <a:p>
-            <a:endParaRPr lang="en-US" dirty="0"/>
-          </a:p>
-        </p:txBody>
-      </p:sp>
-      <p:pic>
-        <p:nvPicPr>
-          <p:cNvPr id="4" name="Picture 3" descr="Screen Shot 2018-03-15 at 9.31.15 PM.png"/>
-          <p:cNvPicPr>
-            <a:picLocks noChangeAspect="1"/>
-          </p:cNvPicPr>
-          <p:nvPr/>
-        </p:nvPicPr>
-        <p:blipFill>
-          <a:blip r:embed="rId3">
-            <a:extLst>
-              <a:ext uri="{28A0092B-C50C-407E-A947-70E740481C1C}">
-                <a14:useLocalDpi xmlns:a14="http://schemas.microsoft.com/office/drawing/2010/main" val="0"/>
-              </a:ext>
-            </a:extLst>
-          </a:blip>
-          <a:stretch>
-            <a:fillRect/>
-          </a:stretch>
-        </p:blipFill>
-        <p:spPr>
-          <a:xfrm>
-            <a:off x="457200" y="2825114"/>
-            <a:ext cx="3904909" cy="2585101"/>
-          </a:xfrm>
-          <a:prstGeom prst="rect">
-            <a:avLst/>
-          </a:prstGeom>
-        </p:spPr>
-      </p:pic>
-      <p:pic>
-        <p:nvPicPr>
-          <p:cNvPr id="5" name="Picture 4" descr="Screen Shot 2018-03-15 at 9.36.19 PM.png"/>
-          <p:cNvPicPr>
-            <a:picLocks noChangeAspect="1"/>
-          </p:cNvPicPr>
-          <p:nvPr/>
-        </p:nvPicPr>
-        <p:blipFill>
-          <a:blip r:embed="rId4">
-            <a:extLst>
-              <a:ext uri="{28A0092B-C50C-407E-A947-70E740481C1C}">
-                <a14:useLocalDpi xmlns:a14="http://schemas.microsoft.com/office/drawing/2010/main" val="0"/>
-              </a:ext>
-            </a:extLst>
-          </a:blip>
-          <a:stretch>
-            <a:fillRect/>
-          </a:stretch>
-        </p:blipFill>
-        <p:spPr>
-          <a:xfrm>
-            <a:off x="4710867" y="2825114"/>
-            <a:ext cx="3975933" cy="2585101"/>
-          </a:xfrm>
-          <a:prstGeom prst="rect">
-            <a:avLst/>
-          </a:prstGeom>
-        </p:spPr>
-      </p:pic>
-    </p:spTree>
-    <p:extLst>
-      <p:ext uri="{BB962C8B-B14F-4D97-AF65-F5344CB8AC3E}">
-        <p14:creationId xmlns:p14="http://schemas.microsoft.com/office/powerpoint/2010/main" val="2906895139"/>
-      </p:ext>
-    </p:extLst>
-  </p:cSld>
-  <p:clrMapOvr>
-    <a:masterClrMapping/>
-  </p:clrMapOvr>
-  <p:timing>
-    <p:tnLst>
-      <p:par>
-        <p:cTn xmlns:p14="http://schemas.microsoft.com/office/powerpoint/2010/main" id="1" dur="indefinite" restart="never" nodeType="tmRoot"/>
-      </p:par>
-    </p:tnLst>
-  </p:timing>
-</p:sld>
-</file>
-
-<file path=ppt/slides/slide8.xml><?xml version="1.0" encoding="utf-8"?>
-<p:sld xmlns:a="http://schemas.openxmlformats.org/drawingml/2006/main" xmlns:r="http://schemas.openxmlformats.org/officeDocument/2006/relationships" xmlns:p="http://schemas.openxmlformats.org/presentationml/2006/main">
-  <p:cSld>
-    <p:bg>
-      <p:bgPr>
-        <a:blipFill rotWithShape="1">
-          <a:blip r:embed="rId2"/>
-          <a:tile tx="0" ty="0" sx="100000" sy="100000" flip="none" algn="tl"/>
-        </a:blipFill>
-        <a:effectLst/>
-      </p:bgPr>
-    </p:bg>
-    <p:spTree>
-      <p:nvGrpSpPr>
-        <p:cNvPr id="1" name=""/>
-        <p:cNvGrpSpPr/>
-        <p:nvPr/>
-      </p:nvGrpSpPr>
-      <p:grpSpPr>
-        <a:xfrm>
-          <a:off x="0" y="0"/>
-          <a:ext cx="0" cy="0"/>
-          <a:chOff x="0" y="0"/>
-          <a:chExt cx="0" cy="0"/>
-        </a:xfrm>
-      </p:grpSpPr>
-      <p:sp>
-        <p:nvSpPr>
-          <p:cNvPr id="2" name="Title 1"/>
-          <p:cNvSpPr>
-            <a:spLocks noGrp="1"/>
-          </p:cNvSpPr>
-          <p:nvPr>
-            <p:ph type="title"/>
-          </p:nvPr>
-        </p:nvSpPr>
-        <p:spPr/>
-        <p:txBody>
-          <a:bodyPr/>
-          <a:lstStyle/>
-          <a:p>
-            <a:r>
-              <a:rPr lang="en-US" dirty="0" smtClean="0"/>
-              <a:t>Design Process</a:t>
-            </a:r>
-            <a:endParaRPr lang="en-US" dirty="0"/>
-          </a:p>
-        </p:txBody>
-      </p:sp>
-      <p:sp>
-        <p:nvSpPr>
-          <p:cNvPr id="3" name="Content Placeholder 2"/>
-          <p:cNvSpPr>
-            <a:spLocks noGrp="1"/>
-          </p:cNvSpPr>
-          <p:nvPr>
-            <p:ph idx="1"/>
-          </p:nvPr>
-        </p:nvSpPr>
-        <p:spPr/>
-        <p:txBody>
-          <a:bodyPr/>
-          <a:lstStyle/>
-          <a:p>
-            <a:r>
-              <a:rPr lang="en-US" dirty="0"/>
-              <a:t>Use jQuery to display API </a:t>
-            </a:r>
-            <a:r>
-              <a:rPr lang="en-US" dirty="0" smtClean="0"/>
-              <a:t>information </a:t>
+              <a:t>data </a:t>
             </a:r>
             <a:r>
               <a:rPr lang="en-US" dirty="0"/>
@@ -5100,160 +5813,6 @@
     <p:extLst>
       <p:ext uri="{BB962C8B-B14F-4D97-AF65-F5344CB8AC3E}">
         <p14:creationId xmlns:p14="http://schemas.microsoft.com/office/powerpoint/2010/main" val="956439771"/>
-      </p:ext>
-    </p:extLst>
-  </p:cSld>
-  <p:clrMapOvr>
-    <a:masterClrMapping/>
-  </p:clrMapOvr>
-  <p:timing>
-    <p:tnLst>
-      <p:par>
-        <p:cTn xmlns:p14="http://schemas.microsoft.com/office/powerpoint/2010/main" id="1" dur="indefinite" restart="never" nodeType="tmRoot"/>
-      </p:par>
-    </p:tnLst>
-  </p:timing>
-</p:sld>
-</file>
-
-<file path=ppt/slides/slide9.xml><?xml version="1.0" encoding="utf-8"?>
-<p:sld xmlns:a="http://schemas.openxmlformats.org/drawingml/2006/main" xmlns:r="http://schemas.openxmlformats.org/officeDocument/2006/relationships" xmlns:p="http://schemas.openxmlformats.org/presentationml/2006/main">
-  <p:cSld>
-    <p:bg>
-      <p:bgPr>
-        <a:blipFill rotWithShape="1">
-          <a:blip r:embed="rId2"/>
-          <a:tile tx="0" ty="0" sx="100000" sy="100000" flip="none" algn="tl"/>
-        </a:blipFill>
-        <a:effectLst/>
-      </p:bgPr>
-    </p:bg>
-    <p:spTree>
-      <p:nvGrpSpPr>
-        <p:cNvPr id="1" name=""/>
-        <p:cNvGrpSpPr/>
-        <p:nvPr/>
-      </p:nvGrpSpPr>
-      <p:grpSpPr>
-        <a:xfrm>
-          <a:off x="0" y="0"/>
-          <a:ext cx="0" cy="0"/>
-          <a:chOff x="0" y="0"/>
-          <a:chExt cx="0" cy="0"/>
-        </a:xfrm>
-      </p:grpSpPr>
-      <p:sp>
-        <p:nvSpPr>
-          <p:cNvPr id="2" name="Title 1"/>
-          <p:cNvSpPr>
-            <a:spLocks noGrp="1"/>
-          </p:cNvSpPr>
-          <p:nvPr>
-            <p:ph type="title"/>
-          </p:nvPr>
-        </p:nvSpPr>
-        <p:spPr/>
-        <p:txBody>
-          <a:bodyPr/>
-          <a:lstStyle/>
-          <a:p>
-            <a:r>
-              <a:rPr lang="en-US" dirty="0" smtClean="0"/>
-              <a:t>Design Process</a:t>
-            </a:r>
-            <a:endParaRPr lang="en-US" dirty="0"/>
-          </a:p>
-        </p:txBody>
-      </p:sp>
-      <p:sp>
-        <p:nvSpPr>
-          <p:cNvPr id="3" name="Content Placeholder 2"/>
-          <p:cNvSpPr>
-            <a:spLocks noGrp="1"/>
-          </p:cNvSpPr>
-          <p:nvPr>
-            <p:ph idx="1"/>
-          </p:nvPr>
-        </p:nvSpPr>
-        <p:spPr/>
-        <p:txBody>
-          <a:bodyPr/>
-          <a:lstStyle/>
-          <a:p>
-            <a:r>
-              <a:rPr lang="en-US" dirty="0"/>
-              <a:t>Add Styles using CSS to polish</a:t>
-            </a:r>
-          </a:p>
-          <a:p>
-            <a:endParaRPr lang="en-US" dirty="0"/>
-          </a:p>
-        </p:txBody>
-      </p:sp>
-      <p:pic>
-        <p:nvPicPr>
-          <p:cNvPr id="6" name="Picture 5" descr="Screen Shot 2018-03-15 at 9.52.01 PM.png"/>
-          <p:cNvPicPr>
-            <a:picLocks noChangeAspect="1"/>
-          </p:cNvPicPr>
-          <p:nvPr/>
-        </p:nvPicPr>
-        <p:blipFill>
-          <a:blip r:embed="rId3">
-            <a:extLst>
-              <a:ext uri="{28A0092B-C50C-407E-A947-70E740481C1C}">
-                <a14:useLocalDpi xmlns:a14="http://schemas.microsoft.com/office/drawing/2010/main" val="0"/>
-              </a:ext>
-            </a:extLst>
-          </a:blip>
-          <a:stretch>
-            <a:fillRect/>
-          </a:stretch>
-        </p:blipFill>
-        <p:spPr>
-          <a:xfrm>
-            <a:off x="457200" y="2418896"/>
-            <a:ext cx="4737363" cy="3930807"/>
-          </a:xfrm>
-          <a:prstGeom prst="rect">
-            <a:avLst/>
-          </a:prstGeom>
-        </p:spPr>
-      </p:pic>
-      <p:pic>
-        <p:nvPicPr>
-          <p:cNvPr id="8" name="Picture 7" descr="Screen Shot 2018-03-15 at 9.53.28 PM.png"/>
-          <p:cNvPicPr>
-            <a:picLocks noChangeAspect="1"/>
-          </p:cNvPicPr>
-          <p:nvPr/>
-        </p:nvPicPr>
-        <p:blipFill>
-          <a:blip r:embed="rId4">
-            <a:extLst>
-              <a:ext uri="{28A0092B-C50C-407E-A947-70E740481C1C}">
-                <a14:useLocalDpi xmlns:a14="http://schemas.microsoft.com/office/drawing/2010/main" val="0"/>
-              </a:ext>
-            </a:extLst>
-          </a:blip>
-          <a:stretch>
-            <a:fillRect/>
-          </a:stretch>
-        </p:blipFill>
-        <p:spPr>
-          <a:xfrm>
-            <a:off x="5562600" y="2402967"/>
-            <a:ext cx="3124200" cy="4224178"/>
-          </a:xfrm>
-          <a:prstGeom prst="rect">
-            <a:avLst/>
-          </a:prstGeom>
-        </p:spPr>
-      </p:pic>
-    </p:spTree>
-    <p:extLst>
-      <p:ext uri="{BB962C8B-B14F-4D97-AF65-F5344CB8AC3E}">
-        <p14:creationId xmlns:p14="http://schemas.microsoft.com/office/powerpoint/2010/main" val="2919257936"/>
       </p:ext>
     </p:extLst>
   </p:cSld>
